--- a/English/5.DAX/1.Related and Related Table.pptx
+++ b/English/5.DAX/1.Related and Related Table.pptx
@@ -18,7 +18,7 @@
   <p:notesSz cx="6858000" cy="9144000"/>
   <p:defaultTextStyle>
     <a:defPPr>
-      <a:defRPr lang="en-US"/>
+      <a:defRPr lang="en"/>
     </a:defPPr>
     <a:lvl1pPr marL="0" algn="l" defTabSz="914400" rtl="0" eaLnBrk="1" latinLnBrk="0" hangingPunct="1">
       <a:defRPr sz="1800" kern="1200">
@@ -201,7 +201,7 @@
           <a:p>
             <a:fld id="{056BA3B8-9F76-4D81-B71D-76CB85363062}" type="datetimeFigureOut">
               <a:rPr lang="en-US" smtClean="0"/>
-              <a:t>1/3/2025</a:t>
+              <a:t>3/6/2025</a:t>
             </a:fld>
             <a:endParaRPr lang="en-US"/>
           </a:p>
@@ -600,7 +600,7 @@
           <a:p>
             <a:fld id="{6F01DA4D-20EA-48D2-973C-0311EC3005D6}" type="datetimeFigureOut">
               <a:rPr lang="en-US" smtClean="0"/>
-              <a:t>1/3/2025</a:t>
+              <a:t>3/6/2025</a:t>
             </a:fld>
             <a:endParaRPr lang="en-US"/>
           </a:p>
@@ -770,7 +770,7 @@
           <a:p>
             <a:fld id="{6F01DA4D-20EA-48D2-973C-0311EC3005D6}" type="datetimeFigureOut">
               <a:rPr lang="en-US" smtClean="0"/>
-              <a:t>1/3/2025</a:t>
+              <a:t>3/6/2025</a:t>
             </a:fld>
             <a:endParaRPr lang="en-US"/>
           </a:p>
@@ -950,7 +950,7 @@
           <a:p>
             <a:fld id="{6F01DA4D-20EA-48D2-973C-0311EC3005D6}" type="datetimeFigureOut">
               <a:rPr lang="en-US" smtClean="0"/>
-              <a:t>1/3/2025</a:t>
+              <a:t>3/6/2025</a:t>
             </a:fld>
             <a:endParaRPr lang="en-US"/>
           </a:p>
@@ -1120,7 +1120,7 @@
           <a:p>
             <a:fld id="{6F01DA4D-20EA-48D2-973C-0311EC3005D6}" type="datetimeFigureOut">
               <a:rPr lang="en-US" smtClean="0"/>
-              <a:t>1/3/2025</a:t>
+              <a:t>3/6/2025</a:t>
             </a:fld>
             <a:endParaRPr lang="en-US"/>
           </a:p>
@@ -1366,7 +1366,7 @@
           <a:p>
             <a:fld id="{6F01DA4D-20EA-48D2-973C-0311EC3005D6}" type="datetimeFigureOut">
               <a:rPr lang="en-US" smtClean="0"/>
-              <a:t>1/3/2025</a:t>
+              <a:t>3/6/2025</a:t>
             </a:fld>
             <a:endParaRPr lang="en-US"/>
           </a:p>
@@ -1598,7 +1598,7 @@
           <a:p>
             <a:fld id="{6F01DA4D-20EA-48D2-973C-0311EC3005D6}" type="datetimeFigureOut">
               <a:rPr lang="en-US" smtClean="0"/>
-              <a:t>1/3/2025</a:t>
+              <a:t>3/6/2025</a:t>
             </a:fld>
             <a:endParaRPr lang="en-US"/>
           </a:p>
@@ -1965,7 +1965,7 @@
           <a:p>
             <a:fld id="{6F01DA4D-20EA-48D2-973C-0311EC3005D6}" type="datetimeFigureOut">
               <a:rPr lang="en-US" smtClean="0"/>
-              <a:t>1/3/2025</a:t>
+              <a:t>3/6/2025</a:t>
             </a:fld>
             <a:endParaRPr lang="en-US"/>
           </a:p>
@@ -2083,7 +2083,7 @@
           <a:p>
             <a:fld id="{6F01DA4D-20EA-48D2-973C-0311EC3005D6}" type="datetimeFigureOut">
               <a:rPr lang="en-US" smtClean="0"/>
-              <a:t>1/3/2025</a:t>
+              <a:t>3/6/2025</a:t>
             </a:fld>
             <a:endParaRPr lang="en-US"/>
           </a:p>
@@ -2178,7 +2178,7 @@
           <a:p>
             <a:fld id="{6F01DA4D-20EA-48D2-973C-0311EC3005D6}" type="datetimeFigureOut">
               <a:rPr lang="en-US" smtClean="0"/>
-              <a:t>1/3/2025</a:t>
+              <a:t>3/6/2025</a:t>
             </a:fld>
             <a:endParaRPr lang="en-US"/>
           </a:p>
@@ -2455,7 +2455,7 @@
           <a:p>
             <a:fld id="{6F01DA4D-20EA-48D2-973C-0311EC3005D6}" type="datetimeFigureOut">
               <a:rPr lang="en-US" smtClean="0"/>
-              <a:t>1/3/2025</a:t>
+              <a:t>3/6/2025</a:t>
             </a:fld>
             <a:endParaRPr lang="en-US"/>
           </a:p>
@@ -2708,7 +2708,7 @@
           <a:p>
             <a:fld id="{6F01DA4D-20EA-48D2-973C-0311EC3005D6}" type="datetimeFigureOut">
               <a:rPr lang="en-US" smtClean="0"/>
-              <a:t>1/3/2025</a:t>
+              <a:t>3/6/2025</a:t>
             </a:fld>
             <a:endParaRPr lang="en-US"/>
           </a:p>
@@ -2921,7 +2921,7 @@
           <a:p>
             <a:fld id="{6F01DA4D-20EA-48D2-973C-0311EC3005D6}" type="datetimeFigureOut">
               <a:rPr lang="en-US" smtClean="0"/>
-              <a:t>1/3/2025</a:t>
+              <a:t>3/6/2025</a:t>
             </a:fld>
             <a:endParaRPr lang="en-US"/>
           </a:p>
@@ -3342,7 +3342,7 @@
         </p:nvSpPr>
         <p:spPr>
           <a:xfrm>
-            <a:off x="1549221" y="1858421"/>
+            <a:off x="1143585" y="2250306"/>
             <a:ext cx="9199606" cy="2554545"/>
           </a:xfrm>
           <a:prstGeom prst="rect">
@@ -3356,9 +3356,9 @@
           </a:bodyPr>
           <a:lstStyle/>
           <a:p>
-            <a:pPr algn="ctr"/>
-            <a:r>
-              <a:rPr lang="en-US" sz="8000" b="1" dirty="0" smtClean="0">
+            <a:pPr xmlns:a="http://schemas.openxmlformats.org/drawingml/2006/main" algn="ctr"/>
+            <a:r xmlns:a="http://schemas.openxmlformats.org/drawingml/2006/main">
+              <a:rPr lang="en" sz="8000" b="1" dirty="0" smtClean="0">
                 <a:solidFill>
                   <a:srgbClr val="7030A0"/>
                 </a:solidFill>
@@ -3366,9 +3366,9 @@
                 <a:ea typeface="Verdana" panose="020B0604030504040204" pitchFamily="34" charset="0"/>
                 <a:cs typeface="Segoe UI" panose="020B0502040204020203" pitchFamily="34" charset="0"/>
               </a:rPr>
-              <a:t>Related and Related table</a:t>
-            </a:r>
-            <a:endParaRPr lang="en-US" sz="8000" b="1" dirty="0">
+              <a:t>Related &amp; Related table</a:t>
+            </a:r>
+            <a:endParaRPr xmlns:a="http://schemas.openxmlformats.org/drawingml/2006/main" lang="en-US" sz="8000" b="1" dirty="0">
               <a:solidFill>
                 <a:srgbClr val="7030A0"/>
               </a:solidFill>
@@ -3387,7 +3387,7 @@
         </p:nvSpPr>
         <p:spPr>
           <a:xfrm>
-            <a:off x="1474740" y="1804565"/>
+            <a:off x="1143585" y="2182699"/>
             <a:ext cx="9199606" cy="2554545"/>
           </a:xfrm>
           <a:prstGeom prst="rect">
@@ -3401,9 +3401,9 @@
           </a:bodyPr>
           <a:lstStyle/>
           <a:p>
-            <a:pPr algn="ctr"/>
-            <a:r>
-              <a:rPr lang="en-US" sz="8000" b="1" dirty="0" smtClean="0">
+            <a:pPr xmlns:a="http://schemas.openxmlformats.org/drawingml/2006/main" algn="ctr"/>
+            <a:r xmlns:a="http://schemas.openxmlformats.org/drawingml/2006/main">
+              <a:rPr lang="en" sz="8000" b="1" dirty="0" smtClean="0">
                 <a:solidFill>
                   <a:schemeClr val="bg1"/>
                 </a:solidFill>
@@ -3411,9 +3411,9 @@
                 <a:ea typeface="Verdana" panose="020B0604030504040204" pitchFamily="34" charset="0"/>
                 <a:cs typeface="Segoe UI" panose="020B0502040204020203" pitchFamily="34" charset="0"/>
               </a:rPr>
-              <a:t>Related and Related table</a:t>
-            </a:r>
-            <a:endParaRPr lang="en-US" sz="8000" b="1" dirty="0">
+              <a:t>Related &amp; Related table</a:t>
+            </a:r>
+            <a:endParaRPr xmlns:a="http://schemas.openxmlformats.org/drawingml/2006/main" lang="en-US" sz="8000" b="1" dirty="0">
               <a:solidFill>
                 <a:schemeClr val="bg1"/>
               </a:solidFill>
@@ -3463,7 +3463,7 @@
         <p:spPr>
           <a:xfrm>
             <a:off x="309383" y="261257"/>
-            <a:ext cx="3679020" cy="461665"/>
+            <a:ext cx="3412922" cy="461665"/>
           </a:xfrm>
           <a:prstGeom prst="rect">
             <a:avLst/>
@@ -3476,210 +3476,16 @@
           </a:bodyPr>
           <a:lstStyle/>
           <a:p>
-            <a:r>
-              <a:rPr lang="en-US" sz="2400" dirty="0" smtClean="0">
+            <a:r xmlns:a="http://schemas.openxmlformats.org/drawingml/2006/main">
+              <a:rPr lang="en" sz="2400" dirty="0" smtClean="0">
                 <a:latin typeface="Segoe UI" panose="020B0502040204020203" pitchFamily="34" charset="0"/>
                 <a:cs typeface="Segoe UI" panose="020B0502040204020203" pitchFamily="34" charset="0"/>
               </a:rPr>
-              <a:t>Related and Related Table</a:t>
-            </a:r>
-            <a:endParaRPr lang="en-US" sz="2400" dirty="0">
+              <a:t>Related &amp; Related Table</a:t>
+            </a:r>
+            <a:endParaRPr xmlns:a="http://schemas.openxmlformats.org/drawingml/2006/main" lang="en-US" sz="2400" dirty="0">
               <a:latin typeface="Segoe UI" panose="020B0502040204020203" pitchFamily="34" charset="0"/>
               <a:cs typeface="Segoe UI" panose="020B0502040204020203" pitchFamily="34" charset="0"/>
-            </a:endParaRPr>
-          </a:p>
-        </p:txBody>
-      </p:sp>
-      <p:sp>
-        <p:nvSpPr>
-          <p:cNvPr id="3" name="Rectangle 2"/>
-          <p:cNvSpPr/>
-          <p:nvPr/>
-        </p:nvSpPr>
-        <p:spPr>
-          <a:xfrm>
-            <a:off x="309383" y="810784"/>
-            <a:ext cx="8229600" cy="366895"/>
-          </a:xfrm>
-          <a:prstGeom prst="rect">
-            <a:avLst/>
-          </a:prstGeom>
-        </p:spPr>
-        <p:txBody>
-          <a:bodyPr wrap="square">
-            <a:spAutoFit/>
-          </a:bodyPr>
-          <a:lstStyle/>
-          <a:p>
-            <a:pPr>
-              <a:lnSpc>
-                <a:spcPct val="107000"/>
-              </a:lnSpc>
-              <a:spcBef>
-                <a:spcPts val="1200"/>
-              </a:spcBef>
-              <a:spcAft>
-                <a:spcPts val="0"/>
-              </a:spcAft>
-            </a:pPr>
-            <a:r>
-              <a:rPr lang="en-US" b="1" kern="0" dirty="0" smtClean="0">
-                <a:latin typeface="Segoe UI" panose="020B0502040204020203" pitchFamily="34" charset="0"/>
-                <a:ea typeface="Times New Roman" panose="02020603050405020304" pitchFamily="18" charset="0"/>
-                <a:cs typeface="Times New Roman" panose="02020603050405020304" pitchFamily="18" charset="0"/>
-              </a:rPr>
-              <a:t>Note: </a:t>
-            </a:r>
-            <a:r>
-              <a:rPr lang="en-US" kern="0" dirty="0" smtClean="0">
-                <a:latin typeface="Segoe UI" panose="020B0502040204020203" pitchFamily="34" charset="0"/>
-                <a:ea typeface="Times New Roman" panose="02020603050405020304" pitchFamily="18" charset="0"/>
-                <a:cs typeface="Times New Roman" panose="02020603050405020304" pitchFamily="18" charset="0"/>
-              </a:rPr>
-              <a:t>This demo uses both </a:t>
-            </a:r>
-            <a:r>
-              <a:rPr lang="en-US" b="1" kern="0" dirty="0" err="1" smtClean="0">
-                <a:latin typeface="Segoe UI" panose="020B0502040204020203" pitchFamily="34" charset="0"/>
-                <a:ea typeface="Times New Roman" panose="02020603050405020304" pitchFamily="18" charset="0"/>
-                <a:cs typeface="Times New Roman" panose="02020603050405020304" pitchFamily="18" charset="0"/>
-              </a:rPr>
-              <a:t>DimProduct</a:t>
-            </a:r>
-            <a:r>
-              <a:rPr lang="en-US" b="1" kern="0" dirty="0" smtClean="0">
-                <a:latin typeface="Segoe UI" panose="020B0502040204020203" pitchFamily="34" charset="0"/>
-                <a:ea typeface="Times New Roman" panose="02020603050405020304" pitchFamily="18" charset="0"/>
-                <a:cs typeface="Times New Roman" panose="02020603050405020304" pitchFamily="18" charset="0"/>
-              </a:rPr>
-              <a:t> </a:t>
-            </a:r>
-            <a:r>
-              <a:rPr lang="en-US" kern="0" dirty="0" smtClean="0">
-                <a:latin typeface="Segoe UI" panose="020B0502040204020203" pitchFamily="34" charset="0"/>
-                <a:ea typeface="Times New Roman" panose="02020603050405020304" pitchFamily="18" charset="0"/>
-                <a:cs typeface="Times New Roman" panose="02020603050405020304" pitchFamily="18" charset="0"/>
-              </a:rPr>
-              <a:t>and </a:t>
-            </a:r>
-            <a:r>
-              <a:rPr lang="en-US" b="1" kern="0" dirty="0" err="1" smtClean="0">
-                <a:latin typeface="Segoe UI" panose="020B0502040204020203" pitchFamily="34" charset="0"/>
-                <a:ea typeface="Times New Roman" panose="02020603050405020304" pitchFamily="18" charset="0"/>
-                <a:cs typeface="Times New Roman" panose="02020603050405020304" pitchFamily="18" charset="0"/>
-              </a:rPr>
-              <a:t>FactSales</a:t>
-            </a:r>
-            <a:r>
-              <a:rPr lang="en-US" b="1" kern="0" dirty="0" smtClean="0">
-                <a:latin typeface="Segoe UI" panose="020B0502040204020203" pitchFamily="34" charset="0"/>
-                <a:ea typeface="Times New Roman" panose="02020603050405020304" pitchFamily="18" charset="0"/>
-                <a:cs typeface="Times New Roman" panose="02020603050405020304" pitchFamily="18" charset="0"/>
-              </a:rPr>
-              <a:t> tables</a:t>
-            </a:r>
-            <a:endParaRPr lang="en-US" sz="2800" b="1" kern="0" dirty="0">
-              <a:effectLst/>
-              <a:latin typeface="Segoe UI" panose="020B0502040204020203" pitchFamily="34" charset="0"/>
-              <a:ea typeface="Times New Roman" panose="02020603050405020304" pitchFamily="18" charset="0"/>
-              <a:cs typeface="Times New Roman" panose="02020603050405020304" pitchFamily="18" charset="0"/>
-            </a:endParaRPr>
-          </a:p>
-        </p:txBody>
-      </p:sp>
-      <p:sp>
-        <p:nvSpPr>
-          <p:cNvPr id="4" name="Rectangle 3"/>
-          <p:cNvSpPr/>
-          <p:nvPr/>
-        </p:nvSpPr>
-        <p:spPr>
-          <a:xfrm>
-            <a:off x="359801" y="1360799"/>
-            <a:ext cx="9066081" cy="366895"/>
-          </a:xfrm>
-          <a:prstGeom prst="rect">
-            <a:avLst/>
-          </a:prstGeom>
-        </p:spPr>
-        <p:txBody>
-          <a:bodyPr wrap="square">
-            <a:spAutoFit/>
-          </a:bodyPr>
-          <a:lstStyle/>
-          <a:p>
-            <a:pPr lvl="0">
-              <a:lnSpc>
-                <a:spcPct val="107000"/>
-              </a:lnSpc>
-              <a:spcBef>
-                <a:spcPts val="1200"/>
-              </a:spcBef>
-              <a:spcAft>
-                <a:spcPts val="0"/>
-              </a:spcAft>
-            </a:pPr>
-            <a:r>
-              <a:rPr lang="en-US" kern="0" dirty="0" smtClean="0">
-                <a:latin typeface="Segoe UI" panose="020B0502040204020203" pitchFamily="34" charset="0"/>
-                <a:ea typeface="Times New Roman" panose="02020603050405020304" pitchFamily="18" charset="0"/>
-                <a:cs typeface="Times New Roman" panose="02020603050405020304" pitchFamily="18" charset="0"/>
-              </a:rPr>
-              <a:t>Note that the relationship from </a:t>
-            </a:r>
-            <a:r>
-              <a:rPr lang="en-US" b="1" kern="0" dirty="0" err="1" smtClean="0">
-                <a:latin typeface="Segoe UI" panose="020B0502040204020203" pitchFamily="34" charset="0"/>
-                <a:ea typeface="Times New Roman" panose="02020603050405020304" pitchFamily="18" charset="0"/>
-                <a:cs typeface="Times New Roman" panose="02020603050405020304" pitchFamily="18" charset="0"/>
-              </a:rPr>
-              <a:t>DimProduct</a:t>
-            </a:r>
-            <a:r>
-              <a:rPr lang="en-US" b="1" kern="0" dirty="0" smtClean="0">
-                <a:latin typeface="Segoe UI" panose="020B0502040204020203" pitchFamily="34" charset="0"/>
-                <a:ea typeface="Times New Roman" panose="02020603050405020304" pitchFamily="18" charset="0"/>
-                <a:cs typeface="Times New Roman" panose="02020603050405020304" pitchFamily="18" charset="0"/>
-              </a:rPr>
-              <a:t> </a:t>
-            </a:r>
-            <a:r>
-              <a:rPr lang="en-US" kern="0" dirty="0" smtClean="0">
-                <a:latin typeface="Segoe UI" panose="020B0502040204020203" pitchFamily="34" charset="0"/>
-                <a:ea typeface="Times New Roman" panose="02020603050405020304" pitchFamily="18" charset="0"/>
-                <a:cs typeface="Times New Roman" panose="02020603050405020304" pitchFamily="18" charset="0"/>
-              </a:rPr>
-              <a:t>to </a:t>
-            </a:r>
-            <a:r>
-              <a:rPr lang="en-US" b="1" kern="0" dirty="0" err="1" smtClean="0">
-                <a:latin typeface="Segoe UI" panose="020B0502040204020203" pitchFamily="34" charset="0"/>
-                <a:ea typeface="Times New Roman" panose="02020603050405020304" pitchFamily="18" charset="0"/>
-                <a:cs typeface="Times New Roman" panose="02020603050405020304" pitchFamily="18" charset="0"/>
-              </a:rPr>
-              <a:t>FactInterneSales</a:t>
-            </a:r>
-            <a:r>
-              <a:rPr lang="en-US" b="1" kern="0" dirty="0" smtClean="0">
-                <a:latin typeface="Segoe UI" panose="020B0502040204020203" pitchFamily="34" charset="0"/>
-                <a:ea typeface="Times New Roman" panose="02020603050405020304" pitchFamily="18" charset="0"/>
-                <a:cs typeface="Times New Roman" panose="02020603050405020304" pitchFamily="18" charset="0"/>
-              </a:rPr>
-              <a:t> </a:t>
-            </a:r>
-            <a:r>
-              <a:rPr lang="en-US" kern="0" dirty="0" smtClean="0">
-                <a:latin typeface="Segoe UI" panose="020B0502040204020203" pitchFamily="34" charset="0"/>
-                <a:ea typeface="Times New Roman" panose="02020603050405020304" pitchFamily="18" charset="0"/>
-                <a:cs typeface="Times New Roman" panose="02020603050405020304" pitchFamily="18" charset="0"/>
-              </a:rPr>
-              <a:t>is 1 to many</a:t>
-            </a:r>
-            <a:endParaRPr lang="en-US" sz="2800" b="1" kern="0" dirty="0">
-              <a:effectLst/>
-              <a:latin typeface="Segoe UI" panose="020B0502040204020203" pitchFamily="34" charset="0"/>
-              <a:ea typeface="Times New Roman" panose="02020603050405020304" pitchFamily="18" charset="0"/>
-              <a:cs typeface="Times New Roman" panose="02020603050405020304" pitchFamily="18" charset="0"/>
             </a:endParaRPr>
           </a:p>
         </p:txBody>
@@ -3718,6 +3524,104 @@
           </a:effectLst>
         </p:spPr>
       </p:pic>
+      <p:sp>
+        <p:nvSpPr>
+          <p:cNvPr id="5" name="Rectangle 4"/>
+          <p:cNvSpPr/>
+          <p:nvPr/>
+        </p:nvSpPr>
+        <p:spPr>
+          <a:xfrm>
+            <a:off x="359801" y="808347"/>
+            <a:ext cx="6471323" cy="400110"/>
+          </a:xfrm>
+          <a:prstGeom prst="rect">
+            <a:avLst/>
+          </a:prstGeom>
+        </p:spPr>
+        <p:txBody>
+          <a:bodyPr wrap="none">
+            <a:spAutoFit/>
+          </a:bodyPr>
+          <a:lstStyle/>
+          <a:p>
+            <a:r xmlns:a="http://schemas.openxmlformats.org/drawingml/2006/main">
+              <a:rPr lang="en" sz="2000" b="1" dirty="0"/>
+              <a:t>Note: </a:t>
+            </a:r>
+            <a:r xmlns:a="http://schemas.openxmlformats.org/drawingml/2006/main">
+              <a:rPr lang="en" sz="2000" dirty="0"/>
+              <a:t>This demo uses the </a:t>
+            </a:r>
+            <a:r xmlns:a="http://schemas.openxmlformats.org/drawingml/2006/main">
+              <a:rPr lang="en" sz="2000" b="1" dirty="0" err="1"/>
+              <a:t>DimProduct </a:t>
+            </a:r>
+            <a:r xmlns:a="http://schemas.openxmlformats.org/drawingml/2006/main">
+              <a:rPr lang="en" sz="2000" dirty="0"/>
+              <a:t>and </a:t>
+            </a:r>
+            <a:r xmlns:a="http://schemas.openxmlformats.org/drawingml/2006/main">
+              <a:rPr lang="en" sz="2000" b="1" dirty="0"/>
+              <a:t>FactSales tables </a:t>
+            </a:r>
+            <a:r xmlns:a="http://schemas.openxmlformats.org/drawingml/2006/main">
+              <a:rPr lang="en" sz="2000" dirty="0"/>
+              <a:t>.</a:t>
+            </a:r>
+            <a:endParaRPr xmlns:a="http://schemas.openxmlformats.org/drawingml/2006/main" lang="en-US" sz="2000" dirty="0"/>
+          </a:p>
+        </p:txBody>
+      </p:sp>
+      <p:sp>
+        <p:nvSpPr>
+          <p:cNvPr id="6" name="Rectangle 5"/>
+          <p:cNvSpPr/>
+          <p:nvPr/>
+        </p:nvSpPr>
+        <p:spPr>
+          <a:xfrm>
+            <a:off x="359801" y="1293882"/>
+            <a:ext cx="9677973" cy="400110"/>
+          </a:xfrm>
+          <a:prstGeom prst="rect">
+            <a:avLst/>
+          </a:prstGeom>
+        </p:spPr>
+        <p:txBody>
+          <a:bodyPr wrap="square">
+            <a:spAutoFit/>
+          </a:bodyPr>
+          <a:lstStyle/>
+          <a:p>
+            <a:r xmlns:a="http://schemas.openxmlformats.org/drawingml/2006/main">
+              <a:rPr lang="en" sz="2000" dirty="0"/>
+              <a:t>Note that the relationship between </a:t>
+            </a:r>
+            <a:r xmlns:a="http://schemas.openxmlformats.org/drawingml/2006/main">
+              <a:rPr lang="en" sz="2000" b="1" dirty="0" err="1"/>
+              <a:t>DimProduct </a:t>
+            </a:r>
+            <a:r xmlns:a="http://schemas.openxmlformats.org/drawingml/2006/main">
+              <a:rPr lang="en" sz="2000" dirty="0"/>
+              <a:t>and </a:t>
+            </a:r>
+            <a:r xmlns:a="http://schemas.openxmlformats.org/drawingml/2006/main">
+              <a:rPr lang="en" sz="2000" b="1" dirty="0" err="1" smtClean="0"/>
+              <a:t>FactSales</a:t>
+            </a:r>
+            <a:r xmlns:a="http://schemas.openxmlformats.org/drawingml/2006/main">
+              <a:rPr lang="en" sz="2000" dirty="0" smtClean="0"/>
+              <a:t> </a:t>
+            </a:r>
+            <a:r xmlns:a="http://schemas.openxmlformats.org/drawingml/2006/main">
+              <a:rPr lang="en" sz="2000" dirty="0"/>
+              <a:t>is one-to-many.</a:t>
+            </a:r>
+            <a:endParaRPr xmlns:a="http://schemas.openxmlformats.org/drawingml/2006/main" lang="en-US" sz="2000" dirty="0"/>
+          </a:p>
+        </p:txBody>
+      </p:sp>
     </p:spTree>
     <p:extLst>
       <p:ext uri="{BB962C8B-B14F-4D97-AF65-F5344CB8AC3E}">
@@ -3757,7 +3661,7 @@
         <p:spPr>
           <a:xfrm>
             <a:off x="309383" y="261257"/>
-            <a:ext cx="3679020" cy="461665"/>
+            <a:ext cx="3412922" cy="461665"/>
           </a:xfrm>
           <a:prstGeom prst="rect">
             <a:avLst/>
@@ -3770,14 +3674,14 @@
           </a:bodyPr>
           <a:lstStyle/>
           <a:p>
-            <a:r>
-              <a:rPr lang="en-US" sz="2400" dirty="0" smtClean="0">
+            <a:r xmlns:a="http://schemas.openxmlformats.org/drawingml/2006/main">
+              <a:rPr lang="en" sz="2400" dirty="0" smtClean="0">
                 <a:latin typeface="Segoe UI" panose="020B0502040204020203" pitchFamily="34" charset="0"/>
                 <a:cs typeface="Segoe UI" panose="020B0502040204020203" pitchFamily="34" charset="0"/>
               </a:rPr>
-              <a:t>Related and Related Table</a:t>
-            </a:r>
-            <a:endParaRPr lang="en-US" sz="2400" dirty="0">
+              <a:t>Related &amp; Related Table</a:t>
+            </a:r>
+            <a:endParaRPr xmlns:a="http://schemas.openxmlformats.org/drawingml/2006/main" lang="en-US" sz="2400" dirty="0">
               <a:latin typeface="Segoe UI" panose="020B0502040204020203" pitchFamily="34" charset="0"/>
               <a:cs typeface="Segoe UI" panose="020B0502040204020203" pitchFamily="34" charset="0"/>
             </a:endParaRPr>
@@ -3786,343 +3690,90 @@
       </p:sp>
       <p:sp>
         <p:nvSpPr>
-          <p:cNvPr id="3" name="Rectangle 2"/>
+          <p:cNvPr id="9" name="Rectangle 8"/>
           <p:cNvSpPr/>
           <p:nvPr/>
         </p:nvSpPr>
         <p:spPr>
           <a:xfrm>
-            <a:off x="309383" y="810784"/>
-            <a:ext cx="8229600" cy="366895"/>
+            <a:off x="3205875" y="1404683"/>
+            <a:ext cx="5756704" cy="369332"/>
           </a:xfrm>
           <a:prstGeom prst="rect">
             <a:avLst/>
           </a:prstGeom>
         </p:spPr>
         <p:txBody>
-          <a:bodyPr wrap="square">
-            <a:spAutoFit/>
-          </a:bodyPr>
-          <a:lstStyle/>
-          <a:p>
-            <a:pPr>
-              <a:lnSpc>
-                <a:spcPct val="107000"/>
-              </a:lnSpc>
-              <a:spcBef>
-                <a:spcPts val="1200"/>
-              </a:spcBef>
-              <a:spcAft>
-                <a:spcPts val="0"/>
-              </a:spcAft>
-            </a:pPr>
-            <a:r>
-              <a:rPr lang="en-US" b="1" kern="0" dirty="0" smtClean="0">
-                <a:latin typeface="Segoe UI" panose="020B0502040204020203" pitchFamily="34" charset="0"/>
-                <a:ea typeface="Times New Roman" panose="02020603050405020304" pitchFamily="18" charset="0"/>
-                <a:cs typeface="Times New Roman" panose="02020603050405020304" pitchFamily="18" charset="0"/>
-              </a:rPr>
-              <a:t>Note: </a:t>
-            </a:r>
-            <a:r>
-              <a:rPr lang="en-US" kern="0" dirty="0" smtClean="0">
-                <a:latin typeface="Segoe UI" panose="020B0502040204020203" pitchFamily="34" charset="0"/>
-                <a:ea typeface="Times New Roman" panose="02020603050405020304" pitchFamily="18" charset="0"/>
-                <a:cs typeface="Times New Roman" panose="02020603050405020304" pitchFamily="18" charset="0"/>
-              </a:rPr>
-              <a:t>This demo uses both </a:t>
-            </a:r>
-            <a:r>
-              <a:rPr lang="en-US" b="1" kern="0" dirty="0" err="1" smtClean="0">
-                <a:latin typeface="Segoe UI" panose="020B0502040204020203" pitchFamily="34" charset="0"/>
-                <a:ea typeface="Times New Roman" panose="02020603050405020304" pitchFamily="18" charset="0"/>
-                <a:cs typeface="Times New Roman" panose="02020603050405020304" pitchFamily="18" charset="0"/>
-              </a:rPr>
-              <a:t>DimProduct</a:t>
-            </a:r>
-            <a:r>
-              <a:rPr lang="en-US" b="1" kern="0" dirty="0" smtClean="0">
-                <a:latin typeface="Segoe UI" panose="020B0502040204020203" pitchFamily="34" charset="0"/>
-                <a:ea typeface="Times New Roman" panose="02020603050405020304" pitchFamily="18" charset="0"/>
-                <a:cs typeface="Times New Roman" panose="02020603050405020304" pitchFamily="18" charset="0"/>
-              </a:rPr>
-              <a:t> </a:t>
-            </a:r>
-            <a:r>
-              <a:rPr lang="en-US" kern="0" dirty="0" smtClean="0">
-                <a:latin typeface="Segoe UI" panose="020B0502040204020203" pitchFamily="34" charset="0"/>
-                <a:ea typeface="Times New Roman" panose="02020603050405020304" pitchFamily="18" charset="0"/>
-                <a:cs typeface="Times New Roman" panose="02020603050405020304" pitchFamily="18" charset="0"/>
-              </a:rPr>
-              <a:t>and </a:t>
-            </a:r>
-            <a:r>
-              <a:rPr lang="en-US" b="1" kern="0" dirty="0" err="1" smtClean="0">
-                <a:latin typeface="Segoe UI" panose="020B0502040204020203" pitchFamily="34" charset="0"/>
-                <a:ea typeface="Times New Roman" panose="02020603050405020304" pitchFamily="18" charset="0"/>
-                <a:cs typeface="Times New Roman" panose="02020603050405020304" pitchFamily="18" charset="0"/>
-              </a:rPr>
-              <a:t>FactSales</a:t>
-            </a:r>
-            <a:r>
-              <a:rPr lang="en-US" b="1" kern="0" dirty="0" smtClean="0">
-                <a:latin typeface="Segoe UI" panose="020B0502040204020203" pitchFamily="34" charset="0"/>
-                <a:ea typeface="Times New Roman" panose="02020603050405020304" pitchFamily="18" charset="0"/>
-                <a:cs typeface="Times New Roman" panose="02020603050405020304" pitchFamily="18" charset="0"/>
-              </a:rPr>
-              <a:t> tables</a:t>
-            </a:r>
-            <a:endParaRPr lang="en-US" sz="2800" b="1" kern="0" dirty="0">
-              <a:effectLst/>
-              <a:latin typeface="Segoe UI" panose="020B0502040204020203" pitchFamily="34" charset="0"/>
-              <a:ea typeface="Times New Roman" panose="02020603050405020304" pitchFamily="18" charset="0"/>
-              <a:cs typeface="Times New Roman" panose="02020603050405020304" pitchFamily="18" charset="0"/>
-            </a:endParaRPr>
-          </a:p>
-        </p:txBody>
-      </p:sp>
-      <p:sp>
-        <p:nvSpPr>
-          <p:cNvPr id="6" name="Rectangle 5"/>
-          <p:cNvSpPr/>
-          <p:nvPr/>
-        </p:nvSpPr>
-        <p:spPr>
-          <a:xfrm>
-            <a:off x="309383" y="1317264"/>
-            <a:ext cx="9671098" cy="388696"/>
-          </a:xfrm>
-          <a:prstGeom prst="rect">
-            <a:avLst/>
-          </a:prstGeom>
-        </p:spPr>
-        <p:txBody>
-          <a:bodyPr wrap="square">
-            <a:spAutoFit/>
-          </a:bodyPr>
-          <a:lstStyle/>
-          <a:p>
-            <a:pPr lvl="0">
-              <a:lnSpc>
-                <a:spcPct val="107000"/>
-              </a:lnSpc>
-              <a:spcAft>
-                <a:spcPts val="800"/>
-              </a:spcAft>
-            </a:pPr>
-            <a:r>
-              <a:rPr lang="en-US" dirty="0" smtClean="0">
-                <a:latin typeface="Segoe UI" panose="020B0502040204020203" pitchFamily="34" charset="0"/>
-                <a:ea typeface="Calibri" panose="020F0502020204030204" pitchFamily="34" charset="0"/>
-                <a:cs typeface="Times New Roman" panose="02020603050405020304" pitchFamily="18" charset="0"/>
-              </a:rPr>
-              <a:t>Add a new calculated column to the </a:t>
-            </a:r>
-            <a:r>
-              <a:rPr lang="en-US" b="1" dirty="0" err="1" smtClean="0">
-                <a:latin typeface="Segoe UI" panose="020B0502040204020203" pitchFamily="34" charset="0"/>
-                <a:ea typeface="Calibri" panose="020F0502020204030204" pitchFamily="34" charset="0"/>
-                <a:cs typeface="Times New Roman" panose="02020603050405020304" pitchFamily="18" charset="0"/>
-              </a:rPr>
-              <a:t>FactInternetSales</a:t>
-            </a:r>
-            <a:r>
-              <a:rPr lang="en-US" b="1" dirty="0" smtClean="0">
-                <a:latin typeface="Segoe UI" panose="020B0502040204020203" pitchFamily="34" charset="0"/>
-                <a:ea typeface="Calibri" panose="020F0502020204030204" pitchFamily="34" charset="0"/>
-                <a:cs typeface="Times New Roman" panose="02020603050405020304" pitchFamily="18" charset="0"/>
-              </a:rPr>
-              <a:t> table </a:t>
-            </a:r>
-            <a:r>
-              <a:rPr lang="en-US" dirty="0" smtClean="0">
-                <a:latin typeface="Segoe UI" panose="020B0502040204020203" pitchFamily="34" charset="0"/>
-                <a:ea typeface="Calibri" panose="020F0502020204030204" pitchFamily="34" charset="0"/>
-                <a:cs typeface="Times New Roman" panose="02020603050405020304" pitchFamily="18" charset="0"/>
-              </a:rPr>
-              <a:t>named </a:t>
-            </a:r>
-            <a:r>
-              <a:rPr lang="en-US" b="1" dirty="0" smtClean="0">
-                <a:latin typeface="Segoe UI" panose="020B0502040204020203" pitchFamily="34" charset="0"/>
-                <a:ea typeface="Calibri" panose="020F0502020204030204" pitchFamily="34" charset="0"/>
-                <a:cs typeface="Times New Roman" panose="02020603050405020304" pitchFamily="18" charset="0"/>
-              </a:rPr>
-              <a:t>Product Model</a:t>
-            </a:r>
-            <a:endParaRPr lang="en-US" sz="1400" dirty="0">
-              <a:effectLst/>
-              <a:latin typeface="Calibri" panose="020F0502020204030204" pitchFamily="34" charset="0"/>
-              <a:ea typeface="Calibri" panose="020F0502020204030204" pitchFamily="34" charset="0"/>
-              <a:cs typeface="Times New Roman" panose="02020603050405020304" pitchFamily="18" charset="0"/>
-            </a:endParaRPr>
-          </a:p>
-        </p:txBody>
-      </p:sp>
-      <p:sp>
-        <p:nvSpPr>
-          <p:cNvPr id="8" name="Rectangle 7"/>
-          <p:cNvSpPr/>
-          <p:nvPr/>
-        </p:nvSpPr>
-        <p:spPr>
-          <a:xfrm>
-            <a:off x="427917" y="3954336"/>
-            <a:ext cx="9721516" cy="388696"/>
-          </a:xfrm>
-          <a:prstGeom prst="rect">
-            <a:avLst/>
-          </a:prstGeom>
-        </p:spPr>
-        <p:txBody>
-          <a:bodyPr wrap="square">
-            <a:spAutoFit/>
-          </a:bodyPr>
-          <a:lstStyle/>
-          <a:p>
-            <a:pPr lvl="0">
-              <a:lnSpc>
-                <a:spcPct val="107000"/>
-              </a:lnSpc>
-              <a:spcAft>
-                <a:spcPts val="800"/>
-              </a:spcAft>
-            </a:pPr>
-            <a:r>
-              <a:rPr lang="en-US" b="1" dirty="0" smtClean="0">
-                <a:latin typeface="Segoe UI" panose="020B0502040204020203" pitchFamily="34" charset="0"/>
-                <a:ea typeface="Calibri" panose="020F0502020204030204" pitchFamily="34" charset="0"/>
-                <a:cs typeface="Times New Roman" panose="02020603050405020304" pitchFamily="18" charset="0"/>
-              </a:rPr>
-              <a:t>Product Model </a:t>
-            </a:r>
-            <a:r>
-              <a:rPr lang="en-US" dirty="0" smtClean="0">
-                <a:latin typeface="Segoe UI" panose="020B0502040204020203" pitchFamily="34" charset="0"/>
-                <a:ea typeface="Calibri" panose="020F0502020204030204" pitchFamily="34" charset="0"/>
-                <a:cs typeface="Times New Roman" panose="02020603050405020304" pitchFamily="18" charset="0"/>
-              </a:rPr>
-              <a:t>column should be located at the </a:t>
-            </a:r>
-            <a:r>
-              <a:rPr lang="en-US" b="1" dirty="0" err="1" smtClean="0">
-                <a:latin typeface="Segoe UI" panose="020B0502040204020203" pitchFamily="34" charset="0"/>
-                <a:ea typeface="Calibri" panose="020F0502020204030204" pitchFamily="34" charset="0"/>
-                <a:cs typeface="Times New Roman" panose="02020603050405020304" pitchFamily="18" charset="0"/>
-              </a:rPr>
-              <a:t>FactInternetSales</a:t>
-            </a:r>
-            <a:r>
-              <a:rPr lang="en-US" b="1" dirty="0" smtClean="0">
-                <a:latin typeface="Segoe UI" panose="020B0502040204020203" pitchFamily="34" charset="0"/>
-                <a:ea typeface="Calibri" panose="020F0502020204030204" pitchFamily="34" charset="0"/>
-                <a:cs typeface="Times New Roman" panose="02020603050405020304" pitchFamily="18" charset="0"/>
-              </a:rPr>
-              <a:t> </a:t>
-            </a:r>
-            <a:r>
-              <a:rPr lang="en-US" dirty="0" smtClean="0">
-                <a:latin typeface="Segoe UI" panose="020B0502040204020203" pitchFamily="34" charset="0"/>
-                <a:ea typeface="Calibri" panose="020F0502020204030204" pitchFamily="34" charset="0"/>
-                <a:cs typeface="Times New Roman" panose="02020603050405020304" pitchFamily="18" charset="0"/>
-              </a:rPr>
-              <a:t>table level </a:t>
-            </a:r>
-            <a:endParaRPr lang="en-US" sz="1400" dirty="0">
-              <a:effectLst/>
-              <a:latin typeface="Calibri" panose="020F0502020204030204" pitchFamily="34" charset="0"/>
-              <a:ea typeface="Calibri" panose="020F0502020204030204" pitchFamily="34" charset="0"/>
-              <a:cs typeface="Times New Roman" panose="02020603050405020304" pitchFamily="18" charset="0"/>
-            </a:endParaRPr>
-          </a:p>
-        </p:txBody>
-      </p:sp>
-      <p:sp>
-        <p:nvSpPr>
-          <p:cNvPr id="9" name="Rectangle 8"/>
-          <p:cNvSpPr/>
-          <p:nvPr/>
-        </p:nvSpPr>
-        <p:spPr>
-          <a:xfrm>
-            <a:off x="3205875" y="1817194"/>
-            <a:ext cx="5756704" cy="369332"/>
-          </a:xfrm>
-          <a:prstGeom prst="rect">
-            <a:avLst/>
-          </a:prstGeom>
-        </p:spPr>
-        <p:txBody>
           <a:bodyPr wrap="none">
             <a:spAutoFit/>
           </a:bodyPr>
           <a:lstStyle/>
           <a:p>
-            <a:r>
-              <a:rPr lang="en-US" dirty="0">
+            <a:r xmlns:a="http://schemas.openxmlformats.org/drawingml/2006/main">
+              <a:rPr lang="en" dirty="0">
                 <a:solidFill>
                   <a:srgbClr val="000000"/>
                 </a:solidFill>
                 <a:latin typeface="Consolas" panose="020B0609020204030204" pitchFamily="49" charset="0"/>
               </a:rPr>
-              <a:t>Product Model=</a:t>
-            </a:r>
-            <a:r>
-              <a:rPr lang="en-US" dirty="0">
+              <a:t>Product Model= </a:t>
+            </a:r>
+            <a:r xmlns:a="http://schemas.openxmlformats.org/drawingml/2006/main">
+              <a:rPr lang="en" dirty="0">
                 <a:solidFill>
                   <a:srgbClr val="3165BB"/>
                 </a:solidFill>
                 <a:latin typeface="Consolas" panose="020B0609020204030204" pitchFamily="49" charset="0"/>
               </a:rPr>
-              <a:t>RELATED</a:t>
-            </a:r>
-            <a:r>
-              <a:rPr lang="en-US" dirty="0">
+              <a:t>RELATED </a:t>
+            </a:r>
+            <a:r xmlns:a="http://schemas.openxmlformats.org/drawingml/2006/main">
+              <a:rPr lang="en" dirty="0">
                 <a:solidFill>
                   <a:srgbClr val="000000"/>
                 </a:solidFill>
                 <a:latin typeface="Consolas" panose="020B0609020204030204" pitchFamily="49" charset="0"/>
               </a:rPr>
-              <a:t>(</a:t>
-            </a:r>
-            <a:r>
-              <a:rPr lang="en-US" dirty="0" err="1">
+              <a:t>( </a:t>
+            </a:r>
+            <a:r xmlns:a="http://schemas.openxmlformats.org/drawingml/2006/main">
+              <a:rPr lang="en" dirty="0" err="1">
                 <a:solidFill>
                   <a:srgbClr val="001080"/>
                 </a:solidFill>
                 <a:latin typeface="Consolas" panose="020B0609020204030204" pitchFamily="49" charset="0"/>
               </a:rPr>
-              <a:t>DimProduct</a:t>
-            </a:r>
-            <a:r>
-              <a:rPr lang="en-US" dirty="0">
+              <a:t>DimProduct </a:t>
+            </a:r>
+            <a:r xmlns:a="http://schemas.openxmlformats.org/drawingml/2006/main">
+              <a:rPr lang="en" dirty="0">
                 <a:solidFill>
                   <a:srgbClr val="001080"/>
                 </a:solidFill>
                 <a:latin typeface="Consolas" panose="020B0609020204030204" pitchFamily="49" charset="0"/>
               </a:rPr>
-              <a:t>[</a:t>
-            </a:r>
-            <a:r>
-              <a:rPr lang="en-US" dirty="0" err="1">
+              <a:t>[ </a:t>
+            </a:r>
+            <a:r xmlns:a="http://schemas.openxmlformats.org/drawingml/2006/main">
+              <a:rPr lang="en" dirty="0" err="1">
                 <a:solidFill>
                   <a:srgbClr val="001080"/>
                 </a:solidFill>
                 <a:latin typeface="Consolas" panose="020B0609020204030204" pitchFamily="49" charset="0"/>
               </a:rPr>
-              <a:t>BrandName</a:t>
-            </a:r>
-            <a:r>
-              <a:rPr lang="en-US" dirty="0">
+              <a:t>BrandName </a:t>
+            </a:r>
+            <a:r xmlns:a="http://schemas.openxmlformats.org/drawingml/2006/main">
+              <a:rPr lang="en" dirty="0">
                 <a:solidFill>
                   <a:srgbClr val="001080"/>
                 </a:solidFill>
                 <a:latin typeface="Consolas" panose="020B0609020204030204" pitchFamily="49" charset="0"/>
               </a:rPr>
-              <a:t>]</a:t>
-            </a:r>
-            <a:r>
-              <a:rPr lang="en-US" dirty="0">
+              <a:t>] </a:t>
+            </a:r>
+            <a:r xmlns:a="http://schemas.openxmlformats.org/drawingml/2006/main">
+              <a:rPr lang="en" dirty="0">
                 <a:solidFill>
                   <a:srgbClr val="000000"/>
                 </a:solidFill>
@@ -4130,7 +3781,7 @@
               </a:rPr>
               <a:t>)</a:t>
             </a:r>
-            <a:endParaRPr lang="en-US" b="0" dirty="0">
+            <a:endParaRPr xmlns:a="http://schemas.openxmlformats.org/drawingml/2006/main" lang="en-US" b="0" dirty="0">
               <a:solidFill>
                 <a:srgbClr val="000000"/>
               </a:solidFill>
@@ -4156,7 +3807,7 @@
         </p:blipFill>
         <p:spPr>
           <a:xfrm>
-            <a:off x="599389" y="1817194"/>
+            <a:off x="599389" y="1404683"/>
             <a:ext cx="2238687" cy="1848108"/>
           </a:xfrm>
           <a:prstGeom prst="rect">
@@ -4182,7 +3833,7 @@
         </p:nvSpPr>
         <p:spPr>
           <a:xfrm>
-            <a:off x="599389" y="3454400"/>
+            <a:off x="599389" y="3041889"/>
             <a:ext cx="2238687" cy="210902"/>
           </a:xfrm>
           <a:prstGeom prst="rect">
@@ -4238,7 +3889,7 @@
         </p:blipFill>
         <p:spPr>
           <a:xfrm>
-            <a:off x="3317544" y="2235777"/>
+            <a:off x="3317544" y="1823266"/>
             <a:ext cx="4744112" cy="1419423"/>
           </a:xfrm>
           <a:prstGeom prst="rect">
@@ -4254,7 +3905,7 @@
         </p:nvSpPr>
         <p:spPr>
           <a:xfrm>
-            <a:off x="6942313" y="2273511"/>
+            <a:off x="6942313" y="1861000"/>
             <a:ext cx="1119344" cy="1430940"/>
           </a:xfrm>
           <a:prstGeom prst="rect">
@@ -4291,6 +3942,100 @@
           <a:p>
             <a:pPr algn="ctr"/>
             <a:endParaRPr lang="en-US"/>
+          </a:p>
+        </p:txBody>
+      </p:sp>
+      <p:sp>
+        <p:nvSpPr>
+          <p:cNvPr id="5" name="Rectangle 4"/>
+          <p:cNvSpPr/>
+          <p:nvPr/>
+        </p:nvSpPr>
+        <p:spPr>
+          <a:xfrm>
+            <a:off x="309383" y="826060"/>
+            <a:ext cx="10099652" cy="400110"/>
+          </a:xfrm>
+          <a:prstGeom prst="rect">
+            <a:avLst/>
+          </a:prstGeom>
+        </p:spPr>
+        <p:txBody>
+          <a:bodyPr wrap="square">
+            <a:spAutoFit/>
+          </a:bodyPr>
+          <a:lstStyle/>
+          <a:p>
+            <a:r xmlns:a="http://schemas.openxmlformats.org/drawingml/2006/main">
+              <a:rPr lang="en" sz="2000" dirty="0"/>
+              <a:t>Add a new calculated column to the </a:t>
+            </a:r>
+            <a:r xmlns:a="http://schemas.openxmlformats.org/drawingml/2006/main">
+              <a:rPr lang="en" sz="2000" b="1" dirty="0" err="1" smtClean="0"/>
+              <a:t>FactSales table</a:t>
+            </a:r>
+            <a:r xmlns:a="http://schemas.openxmlformats.org/drawingml/2006/main">
+              <a:rPr lang="en" sz="2000" dirty="0" smtClean="0"/>
+              <a:t> </a:t>
+            </a:r>
+            <a:r xmlns:a="http://schemas.openxmlformats.org/drawingml/2006/main">
+              <a:rPr lang="en" sz="2000" dirty="0"/>
+              <a:t>called </a:t>
+            </a:r>
+            <a:r xmlns:a="http://schemas.openxmlformats.org/drawingml/2006/main">
+              <a:rPr lang="en" sz="2000" b="1" dirty="0"/>
+              <a:t>"Product Model" </a:t>
+            </a:r>
+            <a:r xmlns:a="http://schemas.openxmlformats.org/drawingml/2006/main">
+              <a:rPr lang="en" sz="2000" dirty="0"/>
+              <a:t>.</a:t>
+            </a:r>
+            <a:endParaRPr xmlns:a="http://schemas.openxmlformats.org/drawingml/2006/main" lang="en-US" sz="2000" dirty="0"/>
+          </a:p>
+        </p:txBody>
+      </p:sp>
+      <p:sp>
+        <p:nvSpPr>
+          <p:cNvPr id="7" name="Rectangle 6"/>
+          <p:cNvSpPr/>
+          <p:nvPr/>
+        </p:nvSpPr>
+        <p:spPr>
+          <a:xfrm>
+            <a:off x="599389" y="3655850"/>
+            <a:ext cx="11246560" cy="369332"/>
+          </a:xfrm>
+          <a:prstGeom prst="rect">
+            <a:avLst/>
+          </a:prstGeom>
+        </p:spPr>
+        <p:txBody>
+          <a:bodyPr wrap="square">
+            <a:spAutoFit/>
+          </a:bodyPr>
+          <a:lstStyle/>
+          <a:p>
+            <a:r xmlns:a="http://schemas.openxmlformats.org/drawingml/2006/main">
+              <a:rPr lang="en" b="1" dirty="0"/>
+              <a:t>"Product Model" </a:t>
+            </a:r>
+            <a:r xmlns:a="http://schemas.openxmlformats.org/drawingml/2006/main">
+              <a:rPr lang="en" dirty="0"/>
+              <a:t>column must be located at the </a:t>
+            </a:r>
+            <a:r xmlns:a="http://schemas.openxmlformats.org/drawingml/2006/main">
+              <a:rPr lang="en" b="1" dirty="0" err="1" smtClean="0"/>
+              <a:t>FactSales </a:t>
+            </a:r>
+            <a:r xmlns:a="http://schemas.openxmlformats.org/drawingml/2006/main">
+              <a:rPr lang="en" dirty="0"/>
+              <a:t>table level </a:t>
+            </a:r>
+            <a:r xmlns:a="http://schemas.openxmlformats.org/drawingml/2006/main">
+              <a:rPr lang="en" dirty="0"/>
+              <a:t>.</a:t>
+            </a:r>
+            <a:endParaRPr xmlns:a="http://schemas.openxmlformats.org/drawingml/2006/main" lang="en-US" dirty="0"/>
           </a:p>
         </p:txBody>
       </p:sp>
@@ -4333,7 +4078,7 @@
         <p:spPr>
           <a:xfrm>
             <a:off x="309383" y="261257"/>
-            <a:ext cx="3679020" cy="461665"/>
+            <a:ext cx="3412922" cy="461665"/>
           </a:xfrm>
           <a:prstGeom prst="rect">
             <a:avLst/>
@@ -4346,14 +4091,14 @@
           </a:bodyPr>
           <a:lstStyle/>
           <a:p>
-            <a:r>
-              <a:rPr lang="en-US" sz="2400" dirty="0" smtClean="0">
+            <a:r xmlns:a="http://schemas.openxmlformats.org/drawingml/2006/main">
+              <a:rPr lang="en" sz="2400" dirty="0" smtClean="0">
                 <a:latin typeface="Segoe UI" panose="020B0502040204020203" pitchFamily="34" charset="0"/>
                 <a:cs typeface="Segoe UI" panose="020B0502040204020203" pitchFamily="34" charset="0"/>
               </a:rPr>
-              <a:t>Related and Related Table</a:t>
-            </a:r>
-            <a:endParaRPr lang="en-US" sz="2400" dirty="0">
+              <a:t>Related &amp; Related Table</a:t>
+            </a:r>
+            <a:endParaRPr xmlns:a="http://schemas.openxmlformats.org/drawingml/2006/main" lang="en-US" sz="2400" dirty="0">
               <a:latin typeface="Segoe UI" panose="020B0502040204020203" pitchFamily="34" charset="0"/>
               <a:cs typeface="Segoe UI" panose="020B0502040204020203" pitchFamily="34" charset="0"/>
             </a:endParaRPr>
@@ -4362,14 +4107,14 @@
       </p:sp>
       <p:sp>
         <p:nvSpPr>
-          <p:cNvPr id="3" name="Rectangle 2"/>
+          <p:cNvPr id="7" name="Rectangle 6"/>
           <p:cNvSpPr/>
           <p:nvPr/>
         </p:nvSpPr>
         <p:spPr>
           <a:xfrm>
-            <a:off x="309383" y="881398"/>
-            <a:ext cx="10505288" cy="685059"/>
+            <a:off x="442302" y="2303310"/>
+            <a:ext cx="9838267" cy="369332"/>
           </a:xfrm>
           <a:prstGeom prst="rect">
             <a:avLst/>
@@ -4381,226 +4126,8 @@
           </a:bodyPr>
           <a:lstStyle/>
           <a:p>
-            <a:pPr lvl="0">
-              <a:lnSpc>
-                <a:spcPct val="107000"/>
-              </a:lnSpc>
-              <a:spcAft>
-                <a:spcPts val="800"/>
-              </a:spcAft>
-            </a:pPr>
-            <a:r>
-              <a:rPr lang="en-US" dirty="0" smtClean="0">
-                <a:latin typeface="Segoe UI" panose="020B0502040204020203" pitchFamily="34" charset="0"/>
-                <a:ea typeface="Calibri" panose="020F0502020204030204" pitchFamily="34" charset="0"/>
-                <a:cs typeface="Times New Roman" panose="02020603050405020304" pitchFamily="18" charset="0"/>
-              </a:rPr>
-              <a:t>To represent a field at the </a:t>
-            </a:r>
-            <a:r>
-              <a:rPr lang="en-US" b="1" dirty="0" err="1" smtClean="0">
-                <a:latin typeface="Segoe UI" panose="020B0502040204020203" pitchFamily="34" charset="0"/>
-                <a:ea typeface="Calibri" panose="020F0502020204030204" pitchFamily="34" charset="0"/>
-                <a:cs typeface="Times New Roman" panose="02020603050405020304" pitchFamily="18" charset="0"/>
-              </a:rPr>
-              <a:t>DimProduct</a:t>
-            </a:r>
-            <a:r>
-              <a:rPr lang="en-US" b="1" dirty="0" smtClean="0">
-                <a:latin typeface="Segoe UI" panose="020B0502040204020203" pitchFamily="34" charset="0"/>
-                <a:ea typeface="Calibri" panose="020F0502020204030204" pitchFamily="34" charset="0"/>
-                <a:cs typeface="Times New Roman" panose="02020603050405020304" pitchFamily="18" charset="0"/>
-              </a:rPr>
-              <a:t> level </a:t>
-            </a:r>
-            <a:r>
-              <a:rPr lang="en-US" dirty="0" smtClean="0">
-                <a:latin typeface="Segoe UI" panose="020B0502040204020203" pitchFamily="34" charset="0"/>
-                <a:ea typeface="Calibri" panose="020F0502020204030204" pitchFamily="34" charset="0"/>
-                <a:cs typeface="Times New Roman" panose="02020603050405020304" pitchFamily="18" charset="0"/>
-              </a:rPr>
-              <a:t>from </a:t>
-            </a:r>
-            <a:r>
-              <a:rPr lang="en-US" b="1" dirty="0" err="1" smtClean="0">
-                <a:latin typeface="Segoe UI" panose="020B0502040204020203" pitchFamily="34" charset="0"/>
-                <a:ea typeface="Calibri" panose="020F0502020204030204" pitchFamily="34" charset="0"/>
-                <a:cs typeface="Times New Roman" panose="02020603050405020304" pitchFamily="18" charset="0"/>
-              </a:rPr>
-              <a:t>FactInternetSales</a:t>
-            </a:r>
-            <a:r>
-              <a:rPr lang="en-US" b="1" dirty="0" smtClean="0">
-                <a:latin typeface="Segoe UI" panose="020B0502040204020203" pitchFamily="34" charset="0"/>
-                <a:ea typeface="Calibri" panose="020F0502020204030204" pitchFamily="34" charset="0"/>
-                <a:cs typeface="Times New Roman" panose="02020603050405020304" pitchFamily="18" charset="0"/>
-              </a:rPr>
-              <a:t> </a:t>
-            </a:r>
-            <a:r>
-              <a:rPr lang="en-US" dirty="0" smtClean="0">
-                <a:latin typeface="Segoe UI" panose="020B0502040204020203" pitchFamily="34" charset="0"/>
-                <a:ea typeface="Calibri" panose="020F0502020204030204" pitchFamily="34" charset="0"/>
-                <a:cs typeface="Times New Roman" panose="02020603050405020304" pitchFamily="18" charset="0"/>
-              </a:rPr>
-              <a:t>we consider representing the last product date key at the column level</a:t>
-            </a:r>
-            <a:endParaRPr lang="en-US" sz="1400" dirty="0">
-              <a:effectLst/>
-              <a:latin typeface="Calibri" panose="020F0502020204030204" pitchFamily="34" charset="0"/>
-              <a:ea typeface="Calibri" panose="020F0502020204030204" pitchFamily="34" charset="0"/>
-              <a:cs typeface="Times New Roman" panose="02020603050405020304" pitchFamily="18" charset="0"/>
-            </a:endParaRPr>
-          </a:p>
-        </p:txBody>
-      </p:sp>
-      <p:sp>
-        <p:nvSpPr>
-          <p:cNvPr id="4" name="Rectangle 3"/>
-          <p:cNvSpPr/>
-          <p:nvPr/>
-        </p:nvSpPr>
-        <p:spPr>
-          <a:xfrm>
-            <a:off x="387301" y="1717099"/>
-            <a:ext cx="10427369" cy="373692"/>
-          </a:xfrm>
-          <a:prstGeom prst="rect">
-            <a:avLst/>
-          </a:prstGeom>
-        </p:spPr>
-        <p:txBody>
-          <a:bodyPr wrap="square">
-            <a:spAutoFit/>
-          </a:bodyPr>
-          <a:lstStyle/>
-          <a:p>
-            <a:pPr lvl="0">
-              <a:lnSpc>
-                <a:spcPct val="107000"/>
-              </a:lnSpc>
-              <a:spcAft>
-                <a:spcPts val="800"/>
-              </a:spcAft>
-            </a:pPr>
-            <a:r>
-              <a:rPr lang="en-US" dirty="0" smtClean="0">
-                <a:latin typeface="Segoe UI" panose="020B0502040204020203" pitchFamily="34" charset="0"/>
-                <a:ea typeface="Calibri" panose="020F0502020204030204" pitchFamily="34" charset="0"/>
-                <a:cs typeface="Times New Roman" panose="02020603050405020304" pitchFamily="18" charset="0"/>
-              </a:rPr>
-              <a:t>Create a column in name is </a:t>
-            </a:r>
-            <a:r>
-              <a:rPr lang="en-US" b="1" dirty="0" smtClean="0">
-                <a:latin typeface="Segoe UI" panose="020B0502040204020203" pitchFamily="34" charset="0"/>
-                <a:ea typeface="Calibri" panose="020F0502020204030204" pitchFamily="34" charset="0"/>
-                <a:cs typeface="Times New Roman" panose="02020603050405020304" pitchFamily="18" charset="0"/>
-              </a:rPr>
-              <a:t>Last Date Key </a:t>
-            </a:r>
-            <a:r>
-              <a:rPr lang="en-US" dirty="0" smtClean="0">
-                <a:latin typeface="Segoe UI" panose="020B0502040204020203" pitchFamily="34" charset="0"/>
-                <a:ea typeface="Calibri" panose="020F0502020204030204" pitchFamily="34" charset="0"/>
-                <a:cs typeface="Times New Roman" panose="02020603050405020304" pitchFamily="18" charset="0"/>
-              </a:rPr>
-              <a:t>which represents the key of the last date</a:t>
-            </a:r>
-            <a:endParaRPr lang="en-US" sz="1400" dirty="0">
-              <a:effectLst/>
-              <a:latin typeface="Calibri" panose="020F0502020204030204" pitchFamily="34" charset="0"/>
-              <a:ea typeface="Calibri" panose="020F0502020204030204" pitchFamily="34" charset="0"/>
-              <a:cs typeface="Times New Roman" panose="02020603050405020304" pitchFamily="18" charset="0"/>
-            </a:endParaRPr>
-          </a:p>
-        </p:txBody>
-      </p:sp>
-      <p:sp>
-        <p:nvSpPr>
-          <p:cNvPr id="5" name="Rectangle 4"/>
-          <p:cNvSpPr/>
-          <p:nvPr/>
-        </p:nvSpPr>
-        <p:spPr>
-          <a:xfrm>
-            <a:off x="387301" y="2761407"/>
-            <a:ext cx="10839808" cy="685059"/>
-          </a:xfrm>
-          <a:prstGeom prst="rect">
-            <a:avLst/>
-          </a:prstGeom>
-        </p:spPr>
-        <p:txBody>
-          <a:bodyPr wrap="square">
-            <a:spAutoFit/>
-          </a:bodyPr>
-          <a:lstStyle/>
-          <a:p>
-            <a:pPr lvl="0">
-              <a:lnSpc>
-                <a:spcPct val="107000"/>
-              </a:lnSpc>
-              <a:spcAft>
-                <a:spcPts val="800"/>
-              </a:spcAft>
-            </a:pPr>
-            <a:r>
-              <a:rPr lang="en-US" dirty="0" smtClean="0">
-                <a:latin typeface="Segoe UI" panose="020B0502040204020203" pitchFamily="34" charset="0"/>
-                <a:ea typeface="Calibri" panose="020F0502020204030204" pitchFamily="34" charset="0"/>
-                <a:cs typeface="Times New Roman" panose="02020603050405020304" pitchFamily="18" charset="0"/>
-              </a:rPr>
-              <a:t>Notice that a column has just been added to the collection of columns called </a:t>
-            </a:r>
-            <a:r>
-              <a:rPr lang="en-US" b="1" dirty="0" smtClean="0">
-                <a:latin typeface="Segoe UI" panose="020B0502040204020203" pitchFamily="34" charset="0"/>
-                <a:ea typeface="Calibri" panose="020F0502020204030204" pitchFamily="34" charset="0"/>
-                <a:cs typeface="Times New Roman" panose="02020603050405020304" pitchFamily="18" charset="0"/>
-              </a:rPr>
-              <a:t>Last Date Key </a:t>
-            </a:r>
-            <a:r>
-              <a:rPr lang="en-US" dirty="0" smtClean="0">
-                <a:latin typeface="Segoe UI" panose="020B0502040204020203" pitchFamily="34" charset="0"/>
-                <a:ea typeface="Calibri" panose="020F0502020204030204" pitchFamily="34" charset="0"/>
-                <a:cs typeface="Times New Roman" panose="02020603050405020304" pitchFamily="18" charset="0"/>
-              </a:rPr>
-              <a:t>which contains values corresponding to the last date of embarkation</a:t>
-            </a:r>
-            <a:endParaRPr lang="en-US" sz="1400" dirty="0">
-              <a:effectLst/>
-              <a:latin typeface="Calibri" panose="020F0502020204030204" pitchFamily="34" charset="0"/>
-              <a:ea typeface="Calibri" panose="020F0502020204030204" pitchFamily="34" charset="0"/>
-              <a:cs typeface="Times New Roman" panose="02020603050405020304" pitchFamily="18" charset="0"/>
-            </a:endParaRPr>
-          </a:p>
-        </p:txBody>
-      </p:sp>
-      <p:sp>
-        <p:nvSpPr>
-          <p:cNvPr id="7" name="Rectangle 6"/>
-          <p:cNvSpPr/>
-          <p:nvPr/>
-        </p:nvSpPr>
-        <p:spPr>
-          <a:xfrm>
-            <a:off x="387301" y="2241433"/>
-            <a:ext cx="9838267" cy="369332"/>
-          </a:xfrm>
-          <a:prstGeom prst="rect">
-            <a:avLst/>
-          </a:prstGeom>
-        </p:spPr>
-        <p:txBody>
-          <a:bodyPr wrap="square">
-            <a:spAutoFit/>
-          </a:bodyPr>
-          <a:lstStyle/>
-          <a:p>
-            <a:r>
-              <a:rPr lang="en-US" dirty="0">
+            <a:r xmlns:a="http://schemas.openxmlformats.org/drawingml/2006/main">
+              <a:rPr lang="en" dirty="0">
                 <a:solidFill>
                   <a:srgbClr val="000000"/>
                 </a:solidFill>
@@ -4608,116 +4135,116 @@
               </a:rPr>
               <a:t>Last Date Key = </a:t>
             </a:r>
-            <a:r>
-              <a:rPr lang="en-US" dirty="0">
+            <a:r xmlns:a="http://schemas.openxmlformats.org/drawingml/2006/main">
+              <a:rPr lang="en" dirty="0">
                 <a:solidFill>
                   <a:srgbClr val="3165BB"/>
                 </a:solidFill>
                 <a:latin typeface="Consolas" panose="020B0609020204030204" pitchFamily="49" charset="0"/>
               </a:rPr>
-              <a:t>MAXX</a:t>
-            </a:r>
-            <a:r>
-              <a:rPr lang="en-US" dirty="0">
+              <a:t>MAXX </a:t>
+            </a:r>
+            <a:r xmlns:a="http://schemas.openxmlformats.org/drawingml/2006/main">
+              <a:rPr lang="en" dirty="0">
                 <a:solidFill>
                   <a:srgbClr val="000000"/>
                 </a:solidFill>
                 <a:latin typeface="Consolas" panose="020B0609020204030204" pitchFamily="49" charset="0"/>
               </a:rPr>
-              <a:t>(</a:t>
-            </a:r>
-            <a:r>
-              <a:rPr lang="en-US" dirty="0">
+              <a:t>( </a:t>
+            </a:r>
+            <a:r xmlns:a="http://schemas.openxmlformats.org/drawingml/2006/main">
+              <a:rPr lang="en" dirty="0">
                 <a:solidFill>
                   <a:srgbClr val="3165BB"/>
                 </a:solidFill>
                 <a:latin typeface="Consolas" panose="020B0609020204030204" pitchFamily="49" charset="0"/>
               </a:rPr>
-              <a:t>RELATEDTABLE</a:t>
-            </a:r>
-            <a:r>
-              <a:rPr lang="en-US" dirty="0">
+              <a:t>RELATEDTABLE </a:t>
+            </a:r>
+            <a:r xmlns:a="http://schemas.openxmlformats.org/drawingml/2006/main">
+              <a:rPr lang="en" dirty="0">
                 <a:solidFill>
                   <a:srgbClr val="000000"/>
                 </a:solidFill>
                 <a:latin typeface="Consolas" panose="020B0609020204030204" pitchFamily="49" charset="0"/>
               </a:rPr>
-              <a:t>(</a:t>
-            </a:r>
-            <a:r>
-              <a:rPr lang="en-US" dirty="0" err="1">
+              <a:t>( </a:t>
+            </a:r>
+            <a:r xmlns:a="http://schemas.openxmlformats.org/drawingml/2006/main">
+              <a:rPr lang="en" dirty="0" err="1">
                 <a:solidFill>
                   <a:srgbClr val="001080"/>
                 </a:solidFill>
                 <a:latin typeface="Consolas" panose="020B0609020204030204" pitchFamily="49" charset="0"/>
               </a:rPr>
-              <a:t>FactSales</a:t>
-            </a:r>
-            <a:r>
-              <a:rPr lang="en-US" dirty="0">
+              <a:t>FactSales </a:t>
+            </a:r>
+            <a:r xmlns:a="http://schemas.openxmlformats.org/drawingml/2006/main">
+              <a:rPr lang="en" dirty="0">
                 <a:solidFill>
                   <a:srgbClr val="000000"/>
                 </a:solidFill>
                 <a:latin typeface="Consolas" panose="020B0609020204030204" pitchFamily="49" charset="0"/>
               </a:rPr>
-              <a:t>),</a:t>
-            </a:r>
-            <a:r>
-              <a:rPr lang="en-US" dirty="0">
+              <a:t>), </a:t>
+            </a:r>
+            <a:r xmlns:a="http://schemas.openxmlformats.org/drawingml/2006/main">
+              <a:rPr lang="en" dirty="0">
                 <a:solidFill>
                   <a:srgbClr val="3165BB"/>
                 </a:solidFill>
                 <a:latin typeface="Consolas" panose="020B0609020204030204" pitchFamily="49" charset="0"/>
               </a:rPr>
-              <a:t>MAX</a:t>
-            </a:r>
-            <a:r>
-              <a:rPr lang="en-US" dirty="0">
+              <a:t>MAX </a:t>
+            </a:r>
+            <a:r xmlns:a="http://schemas.openxmlformats.org/drawingml/2006/main">
+              <a:rPr lang="en" dirty="0">
                 <a:solidFill>
                   <a:srgbClr val="000000"/>
                 </a:solidFill>
                 <a:latin typeface="Consolas" panose="020B0609020204030204" pitchFamily="49" charset="0"/>
               </a:rPr>
-              <a:t>(</a:t>
-            </a:r>
-            <a:r>
-              <a:rPr lang="en-US" dirty="0" err="1">
+              <a:t>( </a:t>
+            </a:r>
+            <a:r xmlns:a="http://schemas.openxmlformats.org/drawingml/2006/main">
+              <a:rPr lang="en" dirty="0" err="1">
                 <a:solidFill>
                   <a:srgbClr val="001080"/>
                 </a:solidFill>
                 <a:latin typeface="Consolas" panose="020B0609020204030204" pitchFamily="49" charset="0"/>
               </a:rPr>
-              <a:t>FactSales</a:t>
-            </a:r>
-            <a:r>
-              <a:rPr lang="en-US" dirty="0">
+              <a:t>FactSales </a:t>
+            </a:r>
+            <a:r xmlns:a="http://schemas.openxmlformats.org/drawingml/2006/main">
+              <a:rPr lang="en" dirty="0">
                 <a:solidFill>
                   <a:srgbClr val="001080"/>
                 </a:solidFill>
                 <a:latin typeface="Consolas" panose="020B0609020204030204" pitchFamily="49" charset="0"/>
               </a:rPr>
-              <a:t>[</a:t>
-            </a:r>
-            <a:r>
-              <a:rPr lang="en-US" dirty="0" err="1">
+              <a:t>[ </a:t>
+            </a:r>
+            <a:r xmlns:a="http://schemas.openxmlformats.org/drawingml/2006/main">
+              <a:rPr lang="en" dirty="0" err="1">
                 <a:solidFill>
                   <a:srgbClr val="001080"/>
                 </a:solidFill>
                 <a:latin typeface="Consolas" panose="020B0609020204030204" pitchFamily="49" charset="0"/>
               </a:rPr>
-              <a:t>DateKey</a:t>
-            </a:r>
-            <a:r>
-              <a:rPr lang="en-US" dirty="0">
+              <a:t>DateKey </a:t>
+            </a:r>
+            <a:r xmlns:a="http://schemas.openxmlformats.org/drawingml/2006/main">
+              <a:rPr lang="en" dirty="0">
                 <a:solidFill>
                   <a:srgbClr val="001080"/>
                 </a:solidFill>
                 <a:latin typeface="Consolas" panose="020B0609020204030204" pitchFamily="49" charset="0"/>
               </a:rPr>
-              <a:t>]</a:t>
-            </a:r>
-            <a:r>
-              <a:rPr lang="en-US" dirty="0">
+              <a:t>] </a:t>
+            </a:r>
+            <a:r xmlns:a="http://schemas.openxmlformats.org/drawingml/2006/main">
+              <a:rPr lang="en" dirty="0">
                 <a:solidFill>
                   <a:srgbClr val="000000"/>
                 </a:solidFill>
@@ -4725,13 +4252,132 @@
               </a:rPr>
               <a:t>))</a:t>
             </a:r>
-            <a:endParaRPr lang="en-US" b="0" dirty="0">
+            <a:endParaRPr xmlns:a="http://schemas.openxmlformats.org/drawingml/2006/main" lang="en-US" b="0" dirty="0">
               <a:solidFill>
                 <a:srgbClr val="000000"/>
               </a:solidFill>
               <a:effectLst/>
               <a:latin typeface="Consolas" panose="020B0609020204030204" pitchFamily="49" charset="0"/>
             </a:endParaRPr>
+          </a:p>
+        </p:txBody>
+      </p:sp>
+      <p:sp>
+        <p:nvSpPr>
+          <p:cNvPr id="6" name="Rectangle 5"/>
+          <p:cNvSpPr/>
+          <p:nvPr/>
+        </p:nvSpPr>
+        <p:spPr>
+          <a:xfrm>
+            <a:off x="387301" y="822277"/>
+            <a:ext cx="11156140" cy="707886"/>
+          </a:xfrm>
+          <a:prstGeom prst="rect">
+            <a:avLst/>
+          </a:prstGeom>
+        </p:spPr>
+        <p:txBody>
+          <a:bodyPr wrap="square">
+            <a:spAutoFit/>
+          </a:bodyPr>
+          <a:lstStyle/>
+          <a:p>
+            <a:r xmlns:a="http://schemas.openxmlformats.org/drawingml/2006/main">
+              <a:rPr lang="en" sz="2000" b="1" dirty="0" err="1"/>
+              <a:t>DimProduct </a:t>
+            </a:r>
+            <a:r xmlns:a="http://schemas.openxmlformats.org/drawingml/2006/main">
+              <a:rPr lang="en" sz="2000" dirty="0"/>
+              <a:t>level </a:t>
+            </a:r>
+            <a:r xmlns:a="http://schemas.openxmlformats.org/drawingml/2006/main">
+              <a:rPr lang="en" sz="2000" dirty="0"/>
+              <a:t>from </a:t>
+            </a:r>
+            <a:r xmlns:a="http://schemas.openxmlformats.org/drawingml/2006/main">
+              <a:rPr lang="en" sz="2000" b="1" dirty="0" err="1"/>
+              <a:t>FactInternetSales </a:t>
+            </a:r>
+            <a:r xmlns:a="http://schemas.openxmlformats.org/drawingml/2006/main">
+              <a:rPr lang="en" sz="2000" dirty="0"/>
+              <a:t>, we consider the representation of the product's last date key at the column level.</a:t>
+            </a:r>
+            <a:endParaRPr xmlns:a="http://schemas.openxmlformats.org/drawingml/2006/main" lang="en-US" sz="2000" dirty="0"/>
+          </a:p>
+        </p:txBody>
+      </p:sp>
+      <p:sp>
+        <p:nvSpPr>
+          <p:cNvPr id="8" name="Rectangle 7"/>
+          <p:cNvSpPr/>
+          <p:nvPr/>
+        </p:nvSpPr>
+        <p:spPr>
+          <a:xfrm>
+            <a:off x="442302" y="1683627"/>
+            <a:ext cx="10557997" cy="400110"/>
+          </a:xfrm>
+          <a:prstGeom prst="rect">
+            <a:avLst/>
+          </a:prstGeom>
+        </p:spPr>
+        <p:txBody>
+          <a:bodyPr wrap="square">
+            <a:spAutoFit/>
+          </a:bodyPr>
+          <a:lstStyle/>
+          <a:p>
+            <a:r xmlns:a="http://schemas.openxmlformats.org/drawingml/2006/main">
+              <a:rPr lang="en" sz="2000" dirty="0"/>
+              <a:t>Create a column named </a:t>
+            </a:r>
+            <a:r xmlns:a="http://schemas.openxmlformats.org/drawingml/2006/main">
+              <a:rPr lang="en" sz="2000" b="1" dirty="0"/>
+              <a:t>"Last Date Key" </a:t>
+            </a:r>
+            <a:r xmlns:a="http://schemas.openxmlformats.org/drawingml/2006/main">
+              <a:rPr lang="en" sz="2000" dirty="0"/>
+              <a:t>which represents the last date key.</a:t>
+            </a:r>
+            <a:endParaRPr xmlns:a="http://schemas.openxmlformats.org/drawingml/2006/main" lang="en-US" sz="2000" dirty="0"/>
+          </a:p>
+        </p:txBody>
+      </p:sp>
+      <p:sp>
+        <p:nvSpPr>
+          <p:cNvPr id="9" name="Rectangle 8"/>
+          <p:cNvSpPr/>
+          <p:nvPr/>
+        </p:nvSpPr>
+        <p:spPr>
+          <a:xfrm>
+            <a:off x="387300" y="2892215"/>
+            <a:ext cx="10991135" cy="707886"/>
+          </a:xfrm>
+          <a:prstGeom prst="rect">
+            <a:avLst/>
+          </a:prstGeom>
+        </p:spPr>
+        <p:txBody>
+          <a:bodyPr wrap="square">
+            <a:spAutoFit/>
+          </a:bodyPr>
+          <a:lstStyle/>
+          <a:p>
+            <a:r xmlns:a="http://schemas.openxmlformats.org/drawingml/2006/main">
+              <a:rPr lang="en" sz="2000" dirty="0"/>
+              <a:t>Note that a column has been added to the column collection called </a:t>
+            </a:r>
+            <a:r xmlns:a="http://schemas.openxmlformats.org/drawingml/2006/main">
+              <a:rPr lang="en" sz="2000" b="1" dirty="0"/>
+              <a:t>"Last Date Key" </a:t>
+            </a:r>
+            <a:r xmlns:a="http://schemas.openxmlformats.org/drawingml/2006/main">
+              <a:rPr lang="en" sz="2000" dirty="0"/>
+              <a:t>, which contains values corresponding to the last boarding date.</a:t>
+            </a:r>
+            <a:endParaRPr xmlns:a="http://schemas.openxmlformats.org/drawingml/2006/main" lang="en-US" sz="2000" dirty="0"/>
           </a:p>
         </p:txBody>
       </p:sp>
@@ -4834,8 +4480,8 @@
           </a:bodyPr>
           <a:lstStyle/>
           <a:p>
-            <a:r>
-              <a:rPr lang="en-US" sz="9600" b="1" dirty="0" smtClean="0">
+            <a:r xmlns:a="http://schemas.openxmlformats.org/drawingml/2006/main">
+              <a:rPr lang="en" sz="9600" b="1" dirty="0" smtClean="0">
                 <a:solidFill>
                   <a:srgbClr val="7030A0"/>
                 </a:solidFill>
@@ -4845,7 +4491,7 @@
               </a:rPr>
               <a:t>Thank you</a:t>
             </a:r>
-            <a:endParaRPr lang="en-US" sz="9600" b="1" dirty="0">
+            <a:endParaRPr xmlns:a="http://schemas.openxmlformats.org/drawingml/2006/main" lang="en-US" sz="9600" b="1" dirty="0">
               <a:solidFill>
                 <a:srgbClr val="7030A0"/>
               </a:solidFill>
@@ -4878,8 +4524,8 @@
           </a:bodyPr>
           <a:lstStyle/>
           <a:p>
-            <a:r>
-              <a:rPr lang="en-US" sz="9600" b="1" dirty="0" smtClean="0">
+            <a:r xmlns:a="http://schemas.openxmlformats.org/drawingml/2006/main">
+              <a:rPr lang="en" sz="9600" b="1" dirty="0" smtClean="0">
                 <a:solidFill>
                   <a:schemeClr val="bg1"/>
                 </a:solidFill>
@@ -4889,7 +4535,7 @@
               </a:rPr>
               <a:t>Thank you</a:t>
             </a:r>
-            <a:endParaRPr lang="en-US" sz="9600" b="1" dirty="0">
+            <a:endParaRPr xmlns:a="http://schemas.openxmlformats.org/drawingml/2006/main" lang="en-US" sz="9600" b="1" dirty="0">
               <a:solidFill>
                 <a:schemeClr val="bg1"/>
               </a:solidFill>

--- a/English/5.DAX/1.Related and Related Table.pptx
+++ b/English/5.DAX/1.Related and Related Table.pptx
@@ -201,7 +201,7 @@
           <a:p>
             <a:fld id="{056BA3B8-9F76-4D81-B71D-76CB85363062}" type="datetimeFigureOut">
               <a:rPr lang="en-US" smtClean="0"/>
-              <a:t>3/6/2025</a:t>
+              <a:t>4/7/2025</a:t>
             </a:fld>
             <a:endParaRPr lang="en-US"/>
           </a:p>
@@ -469,6 +469,90 @@
 </p:notesMaster>
 </file>
 
+<file path=ppt/notesSlides/notesSlide1.xml><?xml version="1.0" encoding="utf-8"?>
+<p:notes xmlns:a="http://schemas.openxmlformats.org/drawingml/2006/main" xmlns:r="http://schemas.openxmlformats.org/officeDocument/2006/relationships" xmlns:p="http://schemas.openxmlformats.org/presentationml/2006/main">
+  <p:cSld>
+    <p:spTree>
+      <p:nvGrpSpPr>
+        <p:cNvPr id="1" name=""/>
+        <p:cNvGrpSpPr/>
+        <p:nvPr/>
+      </p:nvGrpSpPr>
+      <p:grpSpPr>
+        <a:xfrm>
+          <a:off x="0" y="0"/>
+          <a:ext cx="0" cy="0"/>
+          <a:chOff x="0" y="0"/>
+          <a:chExt cx="0" cy="0"/>
+        </a:xfrm>
+      </p:grpSpPr>
+      <p:sp>
+        <p:nvSpPr>
+          <p:cNvPr id="2" name="Slide Image Placeholder 1"/>
+          <p:cNvSpPr>
+            <a:spLocks noGrp="1" noRot="1" noChangeAspect="1"/>
+          </p:cNvSpPr>
+          <p:nvPr>
+            <p:ph type="sldImg"/>
+          </p:nvPr>
+        </p:nvSpPr>
+        <p:spPr/>
+      </p:sp>
+      <p:sp>
+        <p:nvSpPr>
+          <p:cNvPr id="3" name="Notes Placeholder 2"/>
+          <p:cNvSpPr>
+            <a:spLocks noGrp="1"/>
+          </p:cNvSpPr>
+          <p:nvPr>
+            <p:ph type="body" idx="1"/>
+          </p:nvPr>
+        </p:nvSpPr>
+        <p:spPr/>
+        <p:txBody>
+          <a:bodyPr/>
+          <a:lstStyle/>
+          <a:p>
+            <a:endParaRPr lang="en-US" dirty="0"/>
+          </a:p>
+        </p:txBody>
+      </p:sp>
+      <p:sp>
+        <p:nvSpPr>
+          <p:cNvPr id="4" name="Slide Number Placeholder 3"/>
+          <p:cNvSpPr>
+            <a:spLocks noGrp="1"/>
+          </p:cNvSpPr>
+          <p:nvPr>
+            <p:ph type="sldNum" sz="quarter" idx="10"/>
+          </p:nvPr>
+        </p:nvSpPr>
+        <p:spPr/>
+        <p:txBody>
+          <a:bodyPr/>
+          <a:lstStyle/>
+          <a:p>
+            <a:fld id="{C583D03D-12F8-4E91-BBC2-CE3A863157FF}" type="slidenum">
+              <a:rPr lang="en-US" smtClean="0"/>
+              <a:t>1</a:t>
+            </a:fld>
+            <a:endParaRPr lang="en-US"/>
+          </a:p>
+        </p:txBody>
+      </p:sp>
+    </p:spTree>
+    <p:extLst>
+      <p:ext uri="{BB962C8B-B14F-4D97-AF65-F5344CB8AC3E}">
+        <p14:creationId xmlns:p14="http://schemas.microsoft.com/office/powerpoint/2010/main" val="2438800606"/>
+      </p:ext>
+    </p:extLst>
+  </p:cSld>
+  <p:clrMapOvr>
+    <a:masterClrMapping/>
+  </p:clrMapOvr>
+</p:notes>
+</file>
+
 <file path=ppt/slideLayouts/slideLayout1.xml><?xml version="1.0" encoding="utf-8"?>
 <p:sldLayout xmlns:a="http://schemas.openxmlformats.org/drawingml/2006/main" xmlns:r="http://schemas.openxmlformats.org/officeDocument/2006/relationships" xmlns:p="http://schemas.openxmlformats.org/presentationml/2006/main" type="title" preserve="1">
   <p:cSld name="Title Slide">
@@ -600,7 +684,7 @@
           <a:p>
             <a:fld id="{6F01DA4D-20EA-48D2-973C-0311EC3005D6}" type="datetimeFigureOut">
               <a:rPr lang="en-US" smtClean="0"/>
-              <a:t>3/6/2025</a:t>
+              <a:t>4/7/2025</a:t>
             </a:fld>
             <a:endParaRPr lang="en-US"/>
           </a:p>
@@ -770,7 +854,7 @@
           <a:p>
             <a:fld id="{6F01DA4D-20EA-48D2-973C-0311EC3005D6}" type="datetimeFigureOut">
               <a:rPr lang="en-US" smtClean="0"/>
-              <a:t>3/6/2025</a:t>
+              <a:t>4/7/2025</a:t>
             </a:fld>
             <a:endParaRPr lang="en-US"/>
           </a:p>
@@ -950,7 +1034,7 @@
           <a:p>
             <a:fld id="{6F01DA4D-20EA-48D2-973C-0311EC3005D6}" type="datetimeFigureOut">
               <a:rPr lang="en-US" smtClean="0"/>
-              <a:t>3/6/2025</a:t>
+              <a:t>4/7/2025</a:t>
             </a:fld>
             <a:endParaRPr lang="en-US"/>
           </a:p>
@@ -1120,7 +1204,7 @@
           <a:p>
             <a:fld id="{6F01DA4D-20EA-48D2-973C-0311EC3005D6}" type="datetimeFigureOut">
               <a:rPr lang="en-US" smtClean="0"/>
-              <a:t>3/6/2025</a:t>
+              <a:t>4/7/2025</a:t>
             </a:fld>
             <a:endParaRPr lang="en-US"/>
           </a:p>
@@ -1366,7 +1450,7 @@
           <a:p>
             <a:fld id="{6F01DA4D-20EA-48D2-973C-0311EC3005D6}" type="datetimeFigureOut">
               <a:rPr lang="en-US" smtClean="0"/>
-              <a:t>3/6/2025</a:t>
+              <a:t>4/7/2025</a:t>
             </a:fld>
             <a:endParaRPr lang="en-US"/>
           </a:p>
@@ -1598,7 +1682,7 @@
           <a:p>
             <a:fld id="{6F01DA4D-20EA-48D2-973C-0311EC3005D6}" type="datetimeFigureOut">
               <a:rPr lang="en-US" smtClean="0"/>
-              <a:t>3/6/2025</a:t>
+              <a:t>4/7/2025</a:t>
             </a:fld>
             <a:endParaRPr lang="en-US"/>
           </a:p>
@@ -1965,7 +2049,7 @@
           <a:p>
             <a:fld id="{6F01DA4D-20EA-48D2-973C-0311EC3005D6}" type="datetimeFigureOut">
               <a:rPr lang="en-US" smtClean="0"/>
-              <a:t>3/6/2025</a:t>
+              <a:t>4/7/2025</a:t>
             </a:fld>
             <a:endParaRPr lang="en-US"/>
           </a:p>
@@ -2083,7 +2167,7 @@
           <a:p>
             <a:fld id="{6F01DA4D-20EA-48D2-973C-0311EC3005D6}" type="datetimeFigureOut">
               <a:rPr lang="en-US" smtClean="0"/>
-              <a:t>3/6/2025</a:t>
+              <a:t>4/7/2025</a:t>
             </a:fld>
             <a:endParaRPr lang="en-US"/>
           </a:p>
@@ -2178,7 +2262,7 @@
           <a:p>
             <a:fld id="{6F01DA4D-20EA-48D2-973C-0311EC3005D6}" type="datetimeFigureOut">
               <a:rPr lang="en-US" smtClean="0"/>
-              <a:t>3/6/2025</a:t>
+              <a:t>4/7/2025</a:t>
             </a:fld>
             <a:endParaRPr lang="en-US"/>
           </a:p>
@@ -2455,7 +2539,7 @@
           <a:p>
             <a:fld id="{6F01DA4D-20EA-48D2-973C-0311EC3005D6}" type="datetimeFigureOut">
               <a:rPr lang="en-US" smtClean="0"/>
-              <a:t>3/6/2025</a:t>
+              <a:t>4/7/2025</a:t>
             </a:fld>
             <a:endParaRPr lang="en-US"/>
           </a:p>
@@ -2708,7 +2792,7 @@
           <a:p>
             <a:fld id="{6F01DA4D-20EA-48D2-973C-0311EC3005D6}" type="datetimeFigureOut">
               <a:rPr lang="en-US" smtClean="0"/>
-              <a:t>3/6/2025</a:t>
+              <a:t>4/7/2025</a:t>
             </a:fld>
             <a:endParaRPr lang="en-US"/>
           </a:p>
@@ -2921,7 +3005,7 @@
           <a:p>
             <a:fld id="{6F01DA4D-20EA-48D2-973C-0311EC3005D6}" type="datetimeFigureOut">
               <a:rPr lang="en-US" smtClean="0"/>
-              <a:t>3/6/2025</a:t>
+              <a:t>4/7/2025</a:t>
             </a:fld>
             <a:endParaRPr lang="en-US"/>
           </a:p>
@@ -3356,8 +3440,8 @@
           </a:bodyPr>
           <a:lstStyle/>
           <a:p>
-            <a:pPr xmlns:a="http://schemas.openxmlformats.org/drawingml/2006/main" algn="ctr"/>
-            <a:r xmlns:a="http://schemas.openxmlformats.org/drawingml/2006/main">
+            <a:pPr algn="ctr"/>
+            <a:r>
               <a:rPr lang="en" sz="8000" b="1" dirty="0" smtClean="0">
                 <a:solidFill>
                   <a:srgbClr val="7030A0"/>
@@ -3368,7 +3452,7 @@
               </a:rPr>
               <a:t>Related &amp; Related table</a:t>
             </a:r>
-            <a:endParaRPr xmlns:a="http://schemas.openxmlformats.org/drawingml/2006/main" lang="en-US" sz="8000" b="1" dirty="0">
+            <a:endParaRPr lang="en-US" sz="8000" b="1" dirty="0">
               <a:solidFill>
                 <a:srgbClr val="7030A0"/>
               </a:solidFill>
@@ -3401,8 +3485,8 @@
           </a:bodyPr>
           <a:lstStyle/>
           <a:p>
-            <a:pPr xmlns:a="http://schemas.openxmlformats.org/drawingml/2006/main" algn="ctr"/>
-            <a:r xmlns:a="http://schemas.openxmlformats.org/drawingml/2006/main">
+            <a:pPr algn="ctr"/>
+            <a:r>
               <a:rPr lang="en" sz="8000" b="1" dirty="0" smtClean="0">
                 <a:solidFill>
                   <a:schemeClr val="bg1"/>
@@ -3413,7 +3497,7 @@
               </a:rPr>
               <a:t>Related &amp; Related table</a:t>
             </a:r>
-            <a:endParaRPr xmlns:a="http://schemas.openxmlformats.org/drawingml/2006/main" lang="en-US" sz="8000" b="1" dirty="0">
+            <a:endParaRPr lang="en-US" sz="8000" b="1" dirty="0">
               <a:solidFill>
                 <a:schemeClr val="bg1"/>
               </a:solidFill>
@@ -3476,14 +3560,14 @@
           </a:bodyPr>
           <a:lstStyle/>
           <a:p>
-            <a:r xmlns:a="http://schemas.openxmlformats.org/drawingml/2006/main">
+            <a:r>
               <a:rPr lang="en" sz="2400" dirty="0" smtClean="0">
                 <a:latin typeface="Segoe UI" panose="020B0502040204020203" pitchFamily="34" charset="0"/>
                 <a:cs typeface="Segoe UI" panose="020B0502040204020203" pitchFamily="34" charset="0"/>
               </a:rPr>
               <a:t>Related &amp; Related Table</a:t>
             </a:r>
-            <a:endParaRPr xmlns:a="http://schemas.openxmlformats.org/drawingml/2006/main" lang="en-US" sz="2400" dirty="0">
+            <a:endParaRPr lang="en-US" sz="2400" dirty="0">
               <a:latin typeface="Segoe UI" panose="020B0502040204020203" pitchFamily="34" charset="0"/>
               <a:cs typeface="Segoe UI" panose="020B0502040204020203" pitchFamily="34" charset="0"/>
             </a:endParaRPr>
@@ -3506,7 +3590,7 @@
         </p:blipFill>
         <p:spPr>
           <a:xfrm>
-            <a:off x="439895" y="1910814"/>
+            <a:off x="439895" y="2563957"/>
             <a:ext cx="5334744" cy="2991267"/>
           </a:xfrm>
           <a:prstGeom prst="rect">
@@ -3532,8 +3616,8 @@
         </p:nvSpPr>
         <p:spPr>
           <a:xfrm>
-            <a:off x="359801" y="808347"/>
-            <a:ext cx="6471323" cy="400110"/>
+            <a:off x="359801" y="934863"/>
+            <a:ext cx="8829020" cy="400110"/>
           </a:xfrm>
           <a:prstGeom prst="rect">
             <a:avLst/>
@@ -3545,31 +3629,43 @@
           </a:bodyPr>
           <a:lstStyle/>
           <a:p>
-            <a:r xmlns:a="http://schemas.openxmlformats.org/drawingml/2006/main">
+            <a:r>
               <a:rPr lang="en" sz="2000" b="1" dirty="0"/>
               <a:t>Note: </a:t>
             </a:r>
-            <a:r xmlns:a="http://schemas.openxmlformats.org/drawingml/2006/main">
+            <a:r>
               <a:rPr lang="en" sz="2000" dirty="0"/>
               <a:t>This demo uses the </a:t>
             </a:r>
-            <a:r xmlns:a="http://schemas.openxmlformats.org/drawingml/2006/main">
-              <a:rPr lang="en" sz="2000" b="1" dirty="0" err="1"/>
+            <a:r>
+              <a:rPr lang="en" sz="2000" b="1" dirty="0"/>
               <a:t>DimProduct </a:t>
             </a:r>
-            <a:r xmlns:a="http://schemas.openxmlformats.org/drawingml/2006/main">
+            <a:r>
               <a:rPr lang="en" sz="2000" dirty="0"/>
               <a:t>and </a:t>
             </a:r>
-            <a:r xmlns:a="http://schemas.openxmlformats.org/drawingml/2006/main">
+            <a:r>
               <a:rPr lang="en" sz="2000" b="1" dirty="0"/>
-              <a:t>FactSales tables </a:t>
-            </a:r>
-            <a:r xmlns:a="http://schemas.openxmlformats.org/drawingml/2006/main">
+              <a:t>FactSales </a:t>
+            </a:r>
+            <a:r>
+              <a:rPr lang="en" sz="2000" b="1" dirty="0" smtClean="0"/>
+              <a:t>tables </a:t>
+            </a:r>
+            <a:r>
+              <a:rPr lang="en" sz="2000" dirty="0" smtClean="0"/>
+              <a:t> from </a:t>
+            </a:r>
+            <a:r>
+              <a:rPr lang="en" sz="2000" b="1" dirty="0" smtClean="0"/>
+              <a:t>Sales201823.xls </a:t>
+            </a:r>
+            <a:r>
               <a:rPr lang="en" sz="2000" dirty="0"/>
               <a:t>.</a:t>
             </a:r>
-            <a:endParaRPr xmlns:a="http://schemas.openxmlformats.org/drawingml/2006/main" lang="en-US" sz="2000" dirty="0"/>
+            <a:endParaRPr lang="en-US" sz="2000" dirty="0"/>
           </a:p>
         </p:txBody>
       </p:sp>
@@ -3581,7 +3677,7 @@
         </p:nvSpPr>
         <p:spPr>
           <a:xfrm>
-            <a:off x="359801" y="1293882"/>
+            <a:off x="359801" y="1551796"/>
             <a:ext cx="9677973" cy="400110"/>
           </a:xfrm>
           <a:prstGeom prst="rect">
@@ -3594,31 +3690,31 @@
           </a:bodyPr>
           <a:lstStyle/>
           <a:p>
-            <a:r xmlns:a="http://schemas.openxmlformats.org/drawingml/2006/main">
+            <a:r>
               <a:rPr lang="en" sz="2000" dirty="0"/>
               <a:t>Note that the relationship between </a:t>
             </a:r>
-            <a:r xmlns:a="http://schemas.openxmlformats.org/drawingml/2006/main">
+            <a:r>
               <a:rPr lang="en" sz="2000" b="1" dirty="0" err="1"/>
               <a:t>DimProduct </a:t>
             </a:r>
-            <a:r xmlns:a="http://schemas.openxmlformats.org/drawingml/2006/main">
+            <a:r>
               <a:rPr lang="en" sz="2000" dirty="0"/>
               <a:t>and </a:t>
             </a:r>
-            <a:r xmlns:a="http://schemas.openxmlformats.org/drawingml/2006/main">
+            <a:r>
               <a:rPr lang="en" sz="2000" b="1" dirty="0" err="1" smtClean="0"/>
               <a:t>FactSales</a:t>
             </a:r>
-            <a:r xmlns:a="http://schemas.openxmlformats.org/drawingml/2006/main">
+            <a:r>
               <a:rPr lang="en" sz="2000" dirty="0" smtClean="0"/>
               <a:t> </a:t>
             </a:r>
-            <a:r xmlns:a="http://schemas.openxmlformats.org/drawingml/2006/main">
+            <a:r>
               <a:rPr lang="en" sz="2000" dirty="0"/>
               <a:t>is one-to-many.</a:t>
             </a:r>
-            <a:endParaRPr xmlns:a="http://schemas.openxmlformats.org/drawingml/2006/main" lang="en-US" sz="2000" dirty="0"/>
+            <a:endParaRPr lang="en-US" sz="2000" dirty="0"/>
           </a:p>
         </p:txBody>
       </p:sp>
@@ -3674,14 +3770,14 @@
           </a:bodyPr>
           <a:lstStyle/>
           <a:p>
-            <a:r xmlns:a="http://schemas.openxmlformats.org/drawingml/2006/main">
+            <a:r>
               <a:rPr lang="en" sz="2400" dirty="0" smtClean="0">
                 <a:latin typeface="Segoe UI" panose="020B0502040204020203" pitchFamily="34" charset="0"/>
                 <a:cs typeface="Segoe UI" panose="020B0502040204020203" pitchFamily="34" charset="0"/>
               </a:rPr>
               <a:t>Related &amp; Related Table</a:t>
             </a:r>
-            <a:endParaRPr xmlns:a="http://schemas.openxmlformats.org/drawingml/2006/main" lang="en-US" sz="2400" dirty="0">
+            <a:endParaRPr lang="en-US" sz="2400" dirty="0">
               <a:latin typeface="Segoe UI" panose="020B0502040204020203" pitchFamily="34" charset="0"/>
               <a:cs typeface="Segoe UI" panose="020B0502040204020203" pitchFamily="34" charset="0"/>
             </a:endParaRPr>
@@ -3696,20 +3792,20 @@
         </p:nvSpPr>
         <p:spPr>
           <a:xfrm>
-            <a:off x="3205875" y="1404683"/>
-            <a:ext cx="5756704" cy="369332"/>
+            <a:off x="3042535" y="1293520"/>
+            <a:ext cx="7655257" cy="369332"/>
           </a:xfrm>
           <a:prstGeom prst="rect">
             <a:avLst/>
           </a:prstGeom>
         </p:spPr>
         <p:txBody>
-          <a:bodyPr wrap="none">
+          <a:bodyPr wrap="square">
             <a:spAutoFit/>
           </a:bodyPr>
           <a:lstStyle/>
           <a:p>
-            <a:r xmlns:a="http://schemas.openxmlformats.org/drawingml/2006/main">
+            <a:r>
               <a:rPr lang="en" dirty="0">
                 <a:solidFill>
                   <a:srgbClr val="000000"/>
@@ -3718,7 +3814,7 @@
               </a:rPr>
               <a:t>Product Model= </a:t>
             </a:r>
-            <a:r xmlns:a="http://schemas.openxmlformats.org/drawingml/2006/main">
+            <a:r>
               <a:rPr lang="en" dirty="0">
                 <a:solidFill>
                   <a:srgbClr val="3165BB"/>
@@ -3727,7 +3823,7 @@
               </a:rPr>
               <a:t>RELATED </a:t>
             </a:r>
-            <a:r xmlns:a="http://schemas.openxmlformats.org/drawingml/2006/main">
+            <a:r>
               <a:rPr lang="en" dirty="0">
                 <a:solidFill>
                   <a:srgbClr val="000000"/>
@@ -3736,7 +3832,7 @@
               </a:rPr>
               <a:t>( </a:t>
             </a:r>
-            <a:r xmlns:a="http://schemas.openxmlformats.org/drawingml/2006/main">
+            <a:r>
               <a:rPr lang="en" dirty="0" err="1">
                 <a:solidFill>
                   <a:srgbClr val="001080"/>
@@ -3745,7 +3841,7 @@
               </a:rPr>
               <a:t>DimProduct </a:t>
             </a:r>
-            <a:r xmlns:a="http://schemas.openxmlformats.org/drawingml/2006/main">
+            <a:r>
               <a:rPr lang="en" dirty="0">
                 <a:solidFill>
                   <a:srgbClr val="001080"/>
@@ -3754,7 +3850,7 @@
               </a:rPr>
               <a:t>[ </a:t>
             </a:r>
-            <a:r xmlns:a="http://schemas.openxmlformats.org/drawingml/2006/main">
+            <a:r>
               <a:rPr lang="en" dirty="0" err="1">
                 <a:solidFill>
                   <a:srgbClr val="001080"/>
@@ -3763,7 +3859,7 @@
               </a:rPr>
               <a:t>BrandName </a:t>
             </a:r>
-            <a:r xmlns:a="http://schemas.openxmlformats.org/drawingml/2006/main">
+            <a:r>
               <a:rPr lang="en" dirty="0">
                 <a:solidFill>
                   <a:srgbClr val="001080"/>
@@ -3772,7 +3868,7 @@
               </a:rPr>
               <a:t>] </a:t>
             </a:r>
-            <a:r xmlns:a="http://schemas.openxmlformats.org/drawingml/2006/main">
+            <a:r>
               <a:rPr lang="en" dirty="0">
                 <a:solidFill>
                   <a:srgbClr val="000000"/>
@@ -3781,7 +3877,7 @@
               </a:rPr>
               <a:t>)</a:t>
             </a:r>
-            <a:endParaRPr xmlns:a="http://schemas.openxmlformats.org/drawingml/2006/main" lang="en-US" b="0" dirty="0">
+            <a:endParaRPr lang="en-US" b="0" dirty="0">
               <a:solidFill>
                 <a:srgbClr val="000000"/>
               </a:solidFill>
@@ -3966,31 +4062,39 @@
           </a:bodyPr>
           <a:lstStyle/>
           <a:p>
-            <a:r xmlns:a="http://schemas.openxmlformats.org/drawingml/2006/main">
+            <a:r>
               <a:rPr lang="en" sz="2000" dirty="0"/>
-              <a:t>Add a new calculated column to the </a:t>
-            </a:r>
-            <a:r xmlns:a="http://schemas.openxmlformats.org/drawingml/2006/main">
-              <a:rPr lang="en" sz="2000" b="1" dirty="0" err="1" smtClean="0"/>
+              <a:t>Add a new calculated column </a:t>
+            </a:r>
+            <a:r>
+              <a:rPr lang="en" sz="2000" dirty="0" smtClean="0"/>
+              <a:t>added to </a:t>
+            </a:r>
+            <a:r>
+              <a:rPr lang="en" sz="2000" dirty="0"/>
+              <a:t>the </a:t>
+            </a:r>
+            <a:r>
+              <a:rPr lang="en" sz="2000" b="1" dirty="0" smtClean="0"/>
               <a:t>FactSales table</a:t>
             </a:r>
-            <a:r xmlns:a="http://schemas.openxmlformats.org/drawingml/2006/main">
+            <a:r>
               <a:rPr lang="en" sz="2000" dirty="0" smtClean="0"/>
               <a:t> </a:t>
             </a:r>
-            <a:r xmlns:a="http://schemas.openxmlformats.org/drawingml/2006/main">
+            <a:r>
               <a:rPr lang="en" sz="2000" dirty="0"/>
               <a:t>called </a:t>
             </a:r>
-            <a:r xmlns:a="http://schemas.openxmlformats.org/drawingml/2006/main">
+            <a:r>
               <a:rPr lang="en" sz="2000" b="1" dirty="0"/>
               <a:t>"Product Model" </a:t>
             </a:r>
-            <a:r xmlns:a="http://schemas.openxmlformats.org/drawingml/2006/main">
+            <a:r>
               <a:rPr lang="en" sz="2000" dirty="0"/>
               <a:t>.</a:t>
             </a:r>
-            <a:endParaRPr xmlns:a="http://schemas.openxmlformats.org/drawingml/2006/main" lang="en-US" sz="2000" dirty="0"/>
+            <a:endParaRPr lang="en-US" sz="2000" dirty="0"/>
           </a:p>
         </p:txBody>
       </p:sp>
@@ -4015,27 +4119,23 @@
           </a:bodyPr>
           <a:lstStyle/>
           <a:p>
-            <a:r xmlns:a="http://schemas.openxmlformats.org/drawingml/2006/main">
+            <a:r>
               <a:rPr lang="en" b="1" dirty="0"/>
               <a:t>"Product Model" </a:t>
             </a:r>
-            <a:r xmlns:a="http://schemas.openxmlformats.org/drawingml/2006/main">
+            <a:r>
               <a:rPr lang="en" dirty="0"/>
               <a:t>column must be located at the </a:t>
             </a:r>
-            <a:r xmlns:a="http://schemas.openxmlformats.org/drawingml/2006/main">
+            <a:r>
               <a:rPr lang="en" b="1" dirty="0" err="1" smtClean="0"/>
               <a:t>FactSales </a:t>
             </a:r>
-            <a:r xmlns:a="http://schemas.openxmlformats.org/drawingml/2006/main">
+            <a:r>
               <a:rPr lang="en" dirty="0"/>
-              <a:t>table level </a:t>
-            </a:r>
-            <a:r xmlns:a="http://schemas.openxmlformats.org/drawingml/2006/main">
-              <a:rPr lang="en" dirty="0"/>
-              <a:t>.</a:t>
-            </a:r>
-            <a:endParaRPr xmlns:a="http://schemas.openxmlformats.org/drawingml/2006/main" lang="en-US" dirty="0"/>
+              <a:t>table level .</a:t>
+            </a:r>
+            <a:endParaRPr lang="en-US" dirty="0"/>
           </a:p>
         </p:txBody>
       </p:sp>
@@ -4091,14 +4191,14 @@
           </a:bodyPr>
           <a:lstStyle/>
           <a:p>
-            <a:r xmlns:a="http://schemas.openxmlformats.org/drawingml/2006/main">
+            <a:r>
               <a:rPr lang="en" sz="2400" dirty="0" smtClean="0">
                 <a:latin typeface="Segoe UI" panose="020B0502040204020203" pitchFamily="34" charset="0"/>
                 <a:cs typeface="Segoe UI" panose="020B0502040204020203" pitchFamily="34" charset="0"/>
               </a:rPr>
               <a:t>Related &amp; Related Table</a:t>
             </a:r>
-            <a:endParaRPr xmlns:a="http://schemas.openxmlformats.org/drawingml/2006/main" lang="en-US" sz="2400" dirty="0">
+            <a:endParaRPr lang="en-US" sz="2400" dirty="0">
               <a:latin typeface="Segoe UI" panose="020B0502040204020203" pitchFamily="34" charset="0"/>
               <a:cs typeface="Segoe UI" panose="020B0502040204020203" pitchFamily="34" charset="0"/>
             </a:endParaRPr>
@@ -4113,8 +4213,8 @@
         </p:nvSpPr>
         <p:spPr>
           <a:xfrm>
-            <a:off x="442302" y="2303310"/>
-            <a:ext cx="9838267" cy="369332"/>
+            <a:off x="442301" y="1893285"/>
+            <a:ext cx="10557997" cy="369332"/>
           </a:xfrm>
           <a:prstGeom prst="rect">
             <a:avLst/>
@@ -4126,7 +4226,7 @@
           </a:bodyPr>
           <a:lstStyle/>
           <a:p>
-            <a:r xmlns:a="http://schemas.openxmlformats.org/drawingml/2006/main">
+            <a:r>
               <a:rPr lang="en" dirty="0">
                 <a:solidFill>
                   <a:srgbClr val="000000"/>
@@ -4135,7 +4235,7 @@
               </a:rPr>
               <a:t>Last Date Key = </a:t>
             </a:r>
-            <a:r xmlns:a="http://schemas.openxmlformats.org/drawingml/2006/main">
+            <a:r>
               <a:rPr lang="en" dirty="0">
                 <a:solidFill>
                   <a:srgbClr val="3165BB"/>
@@ -4144,7 +4244,7 @@
               </a:rPr>
               <a:t>MAXX </a:t>
             </a:r>
-            <a:r xmlns:a="http://schemas.openxmlformats.org/drawingml/2006/main">
+            <a:r>
               <a:rPr lang="en" dirty="0">
                 <a:solidFill>
                   <a:srgbClr val="000000"/>
@@ -4153,7 +4253,7 @@
               </a:rPr>
               <a:t>( </a:t>
             </a:r>
-            <a:r xmlns:a="http://schemas.openxmlformats.org/drawingml/2006/main">
+            <a:r>
               <a:rPr lang="en" dirty="0">
                 <a:solidFill>
                   <a:srgbClr val="3165BB"/>
@@ -4162,7 +4262,7 @@
               </a:rPr>
               <a:t>RELATEDTABLE </a:t>
             </a:r>
-            <a:r xmlns:a="http://schemas.openxmlformats.org/drawingml/2006/main">
+            <a:r>
               <a:rPr lang="en" dirty="0">
                 <a:solidFill>
                   <a:srgbClr val="000000"/>
@@ -4171,8 +4271,8 @@
               </a:rPr>
               <a:t>( </a:t>
             </a:r>
-            <a:r xmlns:a="http://schemas.openxmlformats.org/drawingml/2006/main">
-              <a:rPr lang="en" dirty="0" err="1">
+            <a:r>
+              <a:rPr lang="en" dirty="0">
                 <a:solidFill>
                   <a:srgbClr val="001080"/>
                 </a:solidFill>
@@ -4180,7 +4280,7 @@
               </a:rPr>
               <a:t>FactSales </a:t>
             </a:r>
-            <a:r xmlns:a="http://schemas.openxmlformats.org/drawingml/2006/main">
+            <a:r>
               <a:rPr lang="en" dirty="0">
                 <a:solidFill>
                   <a:srgbClr val="000000"/>
@@ -4189,7 +4289,7 @@
               </a:rPr>
               <a:t>), </a:t>
             </a:r>
-            <a:r xmlns:a="http://schemas.openxmlformats.org/drawingml/2006/main">
+            <a:r>
               <a:rPr lang="en" dirty="0">
                 <a:solidFill>
                   <a:srgbClr val="3165BB"/>
@@ -4198,7 +4298,7 @@
               </a:rPr>
               <a:t>MAX </a:t>
             </a:r>
-            <a:r xmlns:a="http://schemas.openxmlformats.org/drawingml/2006/main">
+            <a:r>
               <a:rPr lang="en" dirty="0">
                 <a:solidFill>
                   <a:srgbClr val="000000"/>
@@ -4207,8 +4307,8 @@
               </a:rPr>
               <a:t>( </a:t>
             </a:r>
-            <a:r xmlns:a="http://schemas.openxmlformats.org/drawingml/2006/main">
-              <a:rPr lang="en" dirty="0" err="1">
+            <a:r>
+              <a:rPr lang="en" dirty="0">
                 <a:solidFill>
                   <a:srgbClr val="001080"/>
                 </a:solidFill>
@@ -4216,35 +4316,17 @@
               </a:rPr>
               <a:t>FactSales </a:t>
             </a:r>
-            <a:r xmlns:a="http://schemas.openxmlformats.org/drawingml/2006/main">
-              <a:rPr lang="en" dirty="0">
+            <a:r>
+              <a:rPr lang="en" dirty="0" smtClean="0">
                 <a:solidFill>
                   <a:srgbClr val="001080"/>
                 </a:solidFill>
                 <a:latin typeface="Consolas" panose="020B0609020204030204" pitchFamily="49" charset="0"/>
               </a:rPr>
-              <a:t>[ </a:t>
-            </a:r>
-            <a:r xmlns:a="http://schemas.openxmlformats.org/drawingml/2006/main">
-              <a:rPr lang="en" dirty="0" err="1">
-                <a:solidFill>
-                  <a:srgbClr val="001080"/>
-                </a:solidFill>
-                <a:latin typeface="Consolas" panose="020B0609020204030204" pitchFamily="49" charset="0"/>
-              </a:rPr>
-              <a:t>DateKey </a:t>
-            </a:r>
-            <a:r xmlns:a="http://schemas.openxmlformats.org/drawingml/2006/main">
-              <a:rPr lang="en" dirty="0">
-                <a:solidFill>
-                  <a:srgbClr val="001080"/>
-                </a:solidFill>
-                <a:latin typeface="Consolas" panose="020B0609020204030204" pitchFamily="49" charset="0"/>
-              </a:rPr>
-              <a:t>] </a:t>
-            </a:r>
-            <a:r xmlns:a="http://schemas.openxmlformats.org/drawingml/2006/main">
-              <a:rPr lang="en" dirty="0">
+              <a:t>[DateKey ]</a:t>
+            </a:r>
+            <a:r>
+              <a:rPr lang="en" dirty="0" smtClean="0">
                 <a:solidFill>
                   <a:srgbClr val="000000"/>
                 </a:solidFill>
@@ -4252,7 +4334,7 @@
               </a:rPr>
               <a:t>))</a:t>
             </a:r>
-            <a:endParaRPr xmlns:a="http://schemas.openxmlformats.org/drawingml/2006/main" lang="en-US" b="0" dirty="0">
+            <a:endParaRPr lang="en-US" b="0" dirty="0">
               <a:solidFill>
                 <a:srgbClr val="000000"/>
               </a:solidFill>
@@ -4271,7 +4353,7 @@
         <p:spPr>
           <a:xfrm>
             <a:off x="387301" y="822277"/>
-            <a:ext cx="11156140" cy="707886"/>
+            <a:ext cx="11156140" cy="400110"/>
           </a:xfrm>
           <a:prstGeom prst="rect">
             <a:avLst/>
@@ -4283,27 +4365,23 @@
           </a:bodyPr>
           <a:lstStyle/>
           <a:p>
-            <a:r xmlns:a="http://schemas.openxmlformats.org/drawingml/2006/main">
-              <a:rPr lang="en" sz="2000" b="1" dirty="0" err="1"/>
-              <a:t>DimProduct </a:t>
-            </a:r>
-            <a:r xmlns:a="http://schemas.openxmlformats.org/drawingml/2006/main">
+            <a:r>
+              <a:rPr lang="en" sz="2000" dirty="0" smtClean="0"/>
+              <a:t>Now we </a:t>
+            </a:r>
+            <a:r>
               <a:rPr lang="en" sz="2000" dirty="0"/>
-              <a:t>level </a:t>
-            </a:r>
-            <a:r xmlns:a="http://schemas.openxmlformats.org/drawingml/2006/main">
+              <a:t>consider </a:t>
+            </a:r>
+            <a:r>
+              <a:rPr lang="en" sz="2000" dirty="0" smtClean="0"/>
+              <a:t>to represent </a:t>
+            </a:r>
+            <a:r>
               <a:rPr lang="en" sz="2000" dirty="0"/>
-              <a:t>from </a:t>
-            </a:r>
-            <a:r xmlns:a="http://schemas.openxmlformats.org/drawingml/2006/main">
-              <a:rPr lang="en" sz="2000" b="1" dirty="0" err="1"/>
-              <a:t>FactInternetSales </a:t>
-            </a:r>
-            <a:r xmlns:a="http://schemas.openxmlformats.org/drawingml/2006/main">
-              <a:rPr lang="en" sz="2000" dirty="0"/>
-              <a:t>, we consider the representation of the product's last date key at the column level.</a:t>
-            </a:r>
-            <a:endParaRPr xmlns:a="http://schemas.openxmlformats.org/drawingml/2006/main" lang="en-US" sz="2000" dirty="0"/>
+              <a:t>of the product's last date key at the column level.</a:t>
+            </a:r>
+            <a:endParaRPr lang="en-US" sz="2000" dirty="0"/>
           </a:p>
         </p:txBody>
       </p:sp>
@@ -4315,7 +4393,7 @@
         </p:nvSpPr>
         <p:spPr>
           <a:xfrm>
-            <a:off x="442302" y="1683627"/>
+            <a:off x="442301" y="1321742"/>
             <a:ext cx="10557997" cy="400110"/>
           </a:xfrm>
           <a:prstGeom prst="rect">
@@ -4328,19 +4406,19 @@
           </a:bodyPr>
           <a:lstStyle/>
           <a:p>
-            <a:r xmlns:a="http://schemas.openxmlformats.org/drawingml/2006/main">
+            <a:r>
               <a:rPr lang="en" sz="2000" dirty="0"/>
               <a:t>Create a column named </a:t>
             </a:r>
-            <a:r xmlns:a="http://schemas.openxmlformats.org/drawingml/2006/main">
+            <a:r>
               <a:rPr lang="en" sz="2000" b="1" dirty="0"/>
               <a:t>"Last Date Key" </a:t>
             </a:r>
-            <a:r xmlns:a="http://schemas.openxmlformats.org/drawingml/2006/main">
+            <a:r>
               <a:rPr lang="en" sz="2000" dirty="0"/>
               <a:t>which represents the last date key.</a:t>
             </a:r>
-            <a:endParaRPr xmlns:a="http://schemas.openxmlformats.org/drawingml/2006/main" lang="en-US" sz="2000" dirty="0"/>
+            <a:endParaRPr lang="en-US" sz="2000" dirty="0"/>
           </a:p>
         </p:txBody>
       </p:sp>
@@ -4352,7 +4430,7 @@
         </p:nvSpPr>
         <p:spPr>
           <a:xfrm>
-            <a:off x="387300" y="2892215"/>
+            <a:off x="393871" y="2392750"/>
             <a:ext cx="10991135" cy="707886"/>
           </a:xfrm>
           <a:prstGeom prst="rect">
@@ -4365,19 +4443,91 @@
           </a:bodyPr>
           <a:lstStyle/>
           <a:p>
-            <a:r xmlns:a="http://schemas.openxmlformats.org/drawingml/2006/main">
+            <a:r>
               <a:rPr lang="en" sz="2000" dirty="0"/>
               <a:t>Note that a column has been added to the column collection called </a:t>
             </a:r>
-            <a:r xmlns:a="http://schemas.openxmlformats.org/drawingml/2006/main">
+            <a:r>
               <a:rPr lang="en" sz="2000" b="1" dirty="0"/>
               <a:t>"Last Date Key" </a:t>
             </a:r>
-            <a:r xmlns:a="http://schemas.openxmlformats.org/drawingml/2006/main">
+            <a:r>
               <a:rPr lang="en" sz="2000" dirty="0"/>
               <a:t>, which contains values corresponding to the last boarding date.</a:t>
             </a:r>
-            <a:endParaRPr xmlns:a="http://schemas.openxmlformats.org/drawingml/2006/main" lang="en-US" sz="2000" dirty="0"/>
+            <a:endParaRPr lang="en-US" sz="2000" dirty="0"/>
+          </a:p>
+        </p:txBody>
+      </p:sp>
+      <p:pic>
+        <p:nvPicPr>
+          <p:cNvPr id="3" name="Picture 2"/>
+          <p:cNvPicPr>
+            <a:picLocks noChangeAspect="1"/>
+          </p:cNvPicPr>
+          <p:nvPr/>
+        </p:nvPicPr>
+        <p:blipFill>
+          <a:blip r:embed="rId2"/>
+          <a:stretch>
+            <a:fillRect/>
+          </a:stretch>
+        </p:blipFill>
+        <p:spPr>
+          <a:xfrm>
+            <a:off x="402154" y="3254099"/>
+            <a:ext cx="11126433" cy="3165139"/>
+          </a:xfrm>
+          <a:prstGeom prst="rect">
+            <a:avLst/>
+          </a:prstGeom>
+        </p:spPr>
+      </p:pic>
+      <p:sp>
+        <p:nvSpPr>
+          <p:cNvPr id="10" name="Rectangle 9"/>
+          <p:cNvSpPr/>
+          <p:nvPr/>
+        </p:nvSpPr>
+        <p:spPr>
+          <a:xfrm>
+            <a:off x="10682939" y="3432980"/>
+            <a:ext cx="845648" cy="3011675"/>
+          </a:xfrm>
+          <a:prstGeom prst="rect">
+            <a:avLst/>
+          </a:prstGeom>
+          <a:solidFill>
+            <a:srgbClr val="FF0000">
+              <a:alpha val="14000"/>
+            </a:srgbClr>
+          </a:solidFill>
+          <a:ln>
+            <a:noFill/>
+          </a:ln>
+        </p:spPr>
+        <p:style>
+          <a:lnRef idx="2">
+            <a:schemeClr val="accent1">
+              <a:shade val="50000"/>
+            </a:schemeClr>
+          </a:lnRef>
+          <a:fillRef idx="1">
+            <a:schemeClr val="accent1"/>
+          </a:fillRef>
+          <a:effectRef idx="0">
+            <a:schemeClr val="accent1"/>
+          </a:effectRef>
+          <a:fontRef idx="minor">
+            <a:schemeClr val="lt1"/>
+          </a:fontRef>
+        </p:style>
+        <p:txBody>
+          <a:bodyPr rtlCol="0" anchor="ctr"/>
+          <a:lstStyle/>
+          <a:p>
+            <a:pPr algn="ctr"/>
+            <a:endParaRPr lang="en-US"/>
           </a:p>
         </p:txBody>
       </p:sp>
@@ -4480,7 +4630,7 @@
           </a:bodyPr>
           <a:lstStyle/>
           <a:p>
-            <a:r xmlns:a="http://schemas.openxmlformats.org/drawingml/2006/main">
+            <a:r>
               <a:rPr lang="en" sz="9600" b="1" dirty="0" smtClean="0">
                 <a:solidFill>
                   <a:srgbClr val="7030A0"/>
@@ -4491,7 +4641,7 @@
               </a:rPr>
               <a:t>Thank you</a:t>
             </a:r>
-            <a:endParaRPr xmlns:a="http://schemas.openxmlformats.org/drawingml/2006/main" lang="en-US" sz="9600" b="1" dirty="0">
+            <a:endParaRPr lang="en-US" sz="9600" b="1" dirty="0">
               <a:solidFill>
                 <a:srgbClr val="7030A0"/>
               </a:solidFill>
@@ -4524,7 +4674,7 @@
           </a:bodyPr>
           <a:lstStyle/>
           <a:p>
-            <a:r xmlns:a="http://schemas.openxmlformats.org/drawingml/2006/main">
+            <a:r>
               <a:rPr lang="en" sz="9600" b="1" dirty="0" smtClean="0">
                 <a:solidFill>
                   <a:schemeClr val="bg1"/>
@@ -4535,7 +4685,7 @@
               </a:rPr>
               <a:t>Thank you</a:t>
             </a:r>
-            <a:endParaRPr xmlns:a="http://schemas.openxmlformats.org/drawingml/2006/main" lang="en-US" sz="9600" b="1" dirty="0">
+            <a:endParaRPr lang="en-US" sz="9600" b="1" dirty="0">
               <a:solidFill>
                 <a:schemeClr val="bg1"/>
               </a:solidFill>
